--- a/Structural/Flyweight/Flyweight.pptx
+++ b/Structural/Flyweight/Flyweight.pptx
@@ -493,7 +493,7 @@
   <p:cSld>
     <p:spTree>
       <p:nvGrpSpPr>
-        <p:cNvPr id="191" name="Shape 191"/>
+        <p:cNvPr id="157" name="Shape 157"/>
         <p:cNvGrpSpPr/>
         <p:nvPr/>
       </p:nvGrpSpPr>
@@ -507,7 +507,7 @@
       </p:grpSpPr>
       <p:sp>
         <p:nvSpPr>
-          <p:cNvPr id="192" name="Shape 192"/>
+          <p:cNvPr id="158" name="Shape 158"/>
           <p:cNvSpPr/>
           <p:nvPr>
             <p:ph idx="2" type="sldImg"/>
@@ -541,7 +541,7 @@
       </p:sp>
       <p:sp>
         <p:nvSpPr>
-          <p:cNvPr id="193" name="Shape 193"/>
+          <p:cNvPr id="159" name="Shape 159"/>
           <p:cNvSpPr txBox="1"/>
           <p:nvPr>
             <p:ph idx="1" type="body"/>
@@ -584,6 +584,291 @@
 </file>
 
 <file path=ppt/notesSlides/notesSlide11.xml><?xml version="1.0" encoding="utf-8"?>
+<p:notes xmlns:a="http://schemas.openxmlformats.org/drawingml/2006/main" xmlns:r="http://schemas.openxmlformats.org/officeDocument/2006/relationships" xmlns:mc="http://schemas.openxmlformats.org/markup-compatibility/2006" xmlns:mv="urn:schemas-microsoft-com:mac:vml" xmlns:p="http://schemas.openxmlformats.org/presentationml/2006/main" xmlns:c="http://schemas.openxmlformats.org/drawingml/2006/chart" xmlns:dgm="http://schemas.openxmlformats.org/drawingml/2006/diagram" xmlns:o="urn:schemas-microsoft-com:office:office" xmlns:v="urn:schemas-microsoft-com:vml" xmlns:pvml="urn:schemas-microsoft-com:office:powerpoint" xmlns:com="http://schemas.openxmlformats.org/drawingml/2006/compatibility" xmlns:p14="http://schemas.microsoft.com/office/powerpoint/2010/main" showMasterPhAnim="0" showMasterSp="0">
+  <p:cSld>
+    <p:spTree>
+      <p:nvGrpSpPr>
+        <p:cNvPr id="164" name="Shape 164"/>
+        <p:cNvGrpSpPr/>
+        <p:nvPr/>
+      </p:nvGrpSpPr>
+      <p:grpSpPr>
+        <a:xfrm>
+          <a:off x="0" y="0"/>
+          <a:ext cx="0" cy="0"/>
+          <a:chOff x="0" y="0"/>
+          <a:chExt cx="0" cy="0"/>
+        </a:xfrm>
+      </p:grpSpPr>
+      <p:sp>
+        <p:nvSpPr>
+          <p:cNvPr id="165" name="Shape 165"/>
+          <p:cNvSpPr/>
+          <p:nvPr>
+            <p:ph idx="2" type="sldImg"/>
+          </p:nvPr>
+        </p:nvSpPr>
+        <p:spPr>
+          <a:xfrm>
+            <a:off x="381300" y="685800"/>
+            <a:ext cx="6096000" cy="3429000"/>
+          </a:xfrm>
+          <a:custGeom>
+            <a:pathLst>
+              <a:path extrusionOk="0" h="120000" w="120000">
+                <a:moveTo>
+                  <a:pt x="0" y="0"/>
+                </a:moveTo>
+                <a:lnTo>
+                  <a:pt x="120000" y="0"/>
+                </a:lnTo>
+                <a:lnTo>
+                  <a:pt x="120000" y="120000"/>
+                </a:lnTo>
+                <a:lnTo>
+                  <a:pt x="0" y="120000"/>
+                </a:lnTo>
+                <a:close/>
+              </a:path>
+            </a:pathLst>
+          </a:custGeom>
+        </p:spPr>
+      </p:sp>
+      <p:sp>
+        <p:nvSpPr>
+          <p:cNvPr id="166" name="Shape 166"/>
+          <p:cNvSpPr txBox="1"/>
+          <p:nvPr>
+            <p:ph idx="1" type="body"/>
+          </p:nvPr>
+        </p:nvSpPr>
+        <p:spPr>
+          <a:xfrm>
+            <a:off x="685800" y="4343400"/>
+            <a:ext cx="5486400" cy="4114800"/>
+          </a:xfrm>
+          <a:prstGeom prst="rect">
+            <a:avLst/>
+          </a:prstGeom>
+        </p:spPr>
+        <p:txBody>
+          <a:bodyPr anchorCtr="0" anchor="t" bIns="91425" lIns="91425" rIns="91425" tIns="91425">
+            <a:noAutofit/>
+          </a:bodyPr>
+          <a:lstStyle/>
+          <a:p>
+            <a:pPr lvl="0">
+              <a:spcBef>
+                <a:spcPts val="0"/>
+              </a:spcBef>
+              <a:buNone/>
+            </a:pPr>
+            <a:r>
+              <a:t/>
+            </a:r>
+            <a:endParaRPr/>
+          </a:p>
+        </p:txBody>
+      </p:sp>
+    </p:spTree>
+  </p:cSld>
+  <p:clrMapOvr>
+    <a:masterClrMapping/>
+  </p:clrMapOvr>
+</p:notes>
+</file>
+
+<file path=ppt/notesSlides/notesSlide12.xml><?xml version="1.0" encoding="utf-8"?>
+<p:notes xmlns:a="http://schemas.openxmlformats.org/drawingml/2006/main" xmlns:r="http://schemas.openxmlformats.org/officeDocument/2006/relationships" xmlns:mc="http://schemas.openxmlformats.org/markup-compatibility/2006" xmlns:mv="urn:schemas-microsoft-com:mac:vml" xmlns:p="http://schemas.openxmlformats.org/presentationml/2006/main" xmlns:c="http://schemas.openxmlformats.org/drawingml/2006/chart" xmlns:dgm="http://schemas.openxmlformats.org/drawingml/2006/diagram" xmlns:o="urn:schemas-microsoft-com:office:office" xmlns:v="urn:schemas-microsoft-com:vml" xmlns:pvml="urn:schemas-microsoft-com:office:powerpoint" xmlns:com="http://schemas.openxmlformats.org/drawingml/2006/compatibility" xmlns:p14="http://schemas.microsoft.com/office/powerpoint/2010/main" showMasterPhAnim="0" showMasterSp="0">
+  <p:cSld>
+    <p:spTree>
+      <p:nvGrpSpPr>
+        <p:cNvPr id="181" name="Shape 181"/>
+        <p:cNvGrpSpPr/>
+        <p:nvPr/>
+      </p:nvGrpSpPr>
+      <p:grpSpPr>
+        <a:xfrm>
+          <a:off x="0" y="0"/>
+          <a:ext cx="0" cy="0"/>
+          <a:chOff x="0" y="0"/>
+          <a:chExt cx="0" cy="0"/>
+        </a:xfrm>
+      </p:grpSpPr>
+      <p:sp>
+        <p:nvSpPr>
+          <p:cNvPr id="182" name="Shape 182"/>
+          <p:cNvSpPr/>
+          <p:nvPr>
+            <p:ph idx="2" type="sldImg"/>
+          </p:nvPr>
+        </p:nvSpPr>
+        <p:spPr>
+          <a:xfrm>
+            <a:off x="381300" y="685800"/>
+            <a:ext cx="6096000" cy="3429000"/>
+          </a:xfrm>
+          <a:custGeom>
+            <a:pathLst>
+              <a:path extrusionOk="0" h="120000" w="120000">
+                <a:moveTo>
+                  <a:pt x="0" y="0"/>
+                </a:moveTo>
+                <a:lnTo>
+                  <a:pt x="120000" y="0"/>
+                </a:lnTo>
+                <a:lnTo>
+                  <a:pt x="120000" y="120000"/>
+                </a:lnTo>
+                <a:lnTo>
+                  <a:pt x="0" y="120000"/>
+                </a:lnTo>
+                <a:close/>
+              </a:path>
+            </a:pathLst>
+          </a:custGeom>
+        </p:spPr>
+      </p:sp>
+      <p:sp>
+        <p:nvSpPr>
+          <p:cNvPr id="183" name="Shape 183"/>
+          <p:cNvSpPr txBox="1"/>
+          <p:nvPr>
+            <p:ph idx="1" type="body"/>
+          </p:nvPr>
+        </p:nvSpPr>
+        <p:spPr>
+          <a:xfrm>
+            <a:off x="685800" y="4343400"/>
+            <a:ext cx="5486400" cy="4114800"/>
+          </a:xfrm>
+          <a:prstGeom prst="rect">
+            <a:avLst/>
+          </a:prstGeom>
+        </p:spPr>
+        <p:txBody>
+          <a:bodyPr anchorCtr="0" anchor="t" bIns="91425" lIns="91425" rIns="91425" tIns="91425">
+            <a:noAutofit/>
+          </a:bodyPr>
+          <a:lstStyle/>
+          <a:p>
+            <a:pPr lvl="0">
+              <a:spcBef>
+                <a:spcPts val="0"/>
+              </a:spcBef>
+              <a:buNone/>
+            </a:pPr>
+            <a:r>
+              <a:t/>
+            </a:r>
+            <a:endParaRPr/>
+          </a:p>
+        </p:txBody>
+      </p:sp>
+    </p:spTree>
+  </p:cSld>
+  <p:clrMapOvr>
+    <a:masterClrMapping/>
+  </p:clrMapOvr>
+</p:notes>
+</file>
+
+<file path=ppt/notesSlides/notesSlide13.xml><?xml version="1.0" encoding="utf-8"?>
+<p:notes xmlns:a="http://schemas.openxmlformats.org/drawingml/2006/main" xmlns:r="http://schemas.openxmlformats.org/officeDocument/2006/relationships" xmlns:mc="http://schemas.openxmlformats.org/markup-compatibility/2006" xmlns:mv="urn:schemas-microsoft-com:mac:vml" xmlns:p="http://schemas.openxmlformats.org/presentationml/2006/main" xmlns:c="http://schemas.openxmlformats.org/drawingml/2006/chart" xmlns:dgm="http://schemas.openxmlformats.org/drawingml/2006/diagram" xmlns:o="urn:schemas-microsoft-com:office:office" xmlns:v="urn:schemas-microsoft-com:vml" xmlns:pvml="urn:schemas-microsoft-com:office:powerpoint" xmlns:com="http://schemas.openxmlformats.org/drawingml/2006/compatibility" xmlns:p14="http://schemas.microsoft.com/office/powerpoint/2010/main" showMasterPhAnim="0" showMasterSp="0">
+  <p:cSld>
+    <p:spTree>
+      <p:nvGrpSpPr>
+        <p:cNvPr id="190" name="Shape 190"/>
+        <p:cNvGrpSpPr/>
+        <p:nvPr/>
+      </p:nvGrpSpPr>
+      <p:grpSpPr>
+        <a:xfrm>
+          <a:off x="0" y="0"/>
+          <a:ext cx="0" cy="0"/>
+          <a:chOff x="0" y="0"/>
+          <a:chExt cx="0" cy="0"/>
+        </a:xfrm>
+      </p:grpSpPr>
+      <p:sp>
+        <p:nvSpPr>
+          <p:cNvPr id="191" name="Shape 191"/>
+          <p:cNvSpPr/>
+          <p:nvPr>
+            <p:ph idx="2" type="sldImg"/>
+          </p:nvPr>
+        </p:nvSpPr>
+        <p:spPr>
+          <a:xfrm>
+            <a:off x="381300" y="685800"/>
+            <a:ext cx="6096000" cy="3429000"/>
+          </a:xfrm>
+          <a:custGeom>
+            <a:pathLst>
+              <a:path extrusionOk="0" h="120000" w="120000">
+                <a:moveTo>
+                  <a:pt x="0" y="0"/>
+                </a:moveTo>
+                <a:lnTo>
+                  <a:pt x="120000" y="0"/>
+                </a:lnTo>
+                <a:lnTo>
+                  <a:pt x="120000" y="120000"/>
+                </a:lnTo>
+                <a:lnTo>
+                  <a:pt x="0" y="120000"/>
+                </a:lnTo>
+                <a:close/>
+              </a:path>
+            </a:pathLst>
+          </a:custGeom>
+        </p:spPr>
+      </p:sp>
+      <p:sp>
+        <p:nvSpPr>
+          <p:cNvPr id="192" name="Shape 192"/>
+          <p:cNvSpPr txBox="1"/>
+          <p:nvPr>
+            <p:ph idx="1" type="body"/>
+          </p:nvPr>
+        </p:nvSpPr>
+        <p:spPr>
+          <a:xfrm>
+            <a:off x="685800" y="4343400"/>
+            <a:ext cx="5486400" cy="4114800"/>
+          </a:xfrm>
+          <a:prstGeom prst="rect">
+            <a:avLst/>
+          </a:prstGeom>
+        </p:spPr>
+        <p:txBody>
+          <a:bodyPr anchorCtr="0" anchor="t" bIns="91425" lIns="91425" rIns="91425" tIns="91425">
+            <a:noAutofit/>
+          </a:bodyPr>
+          <a:lstStyle/>
+          <a:p>
+            <a:pPr lvl="0">
+              <a:spcBef>
+                <a:spcPts val="0"/>
+              </a:spcBef>
+              <a:buNone/>
+            </a:pPr>
+            <a:r>
+              <a:t/>
+            </a:r>
+            <a:endParaRPr/>
+          </a:p>
+        </p:txBody>
+      </p:sp>
+    </p:spTree>
+  </p:cSld>
+  <p:clrMapOvr>
+    <a:masterClrMapping/>
+  </p:clrMapOvr>
+</p:notes>
+</file>
+
+<file path=ppt/notesSlides/notesSlide14.xml><?xml version="1.0" encoding="utf-8"?>
 <p:notes xmlns:a="http://schemas.openxmlformats.org/drawingml/2006/main" xmlns:r="http://schemas.openxmlformats.org/officeDocument/2006/relationships" xmlns:mc="http://schemas.openxmlformats.org/markup-compatibility/2006" xmlns:mv="urn:schemas-microsoft-com:mac:vml" xmlns:p="http://schemas.openxmlformats.org/presentationml/2006/main" xmlns:c="http://schemas.openxmlformats.org/drawingml/2006/chart" xmlns:dgm="http://schemas.openxmlformats.org/drawingml/2006/diagram" xmlns:o="urn:schemas-microsoft-com:office:office" xmlns:v="urn:schemas-microsoft-com:vml" xmlns:pvml="urn:schemas-microsoft-com:office:powerpoint" xmlns:com="http://schemas.openxmlformats.org/drawingml/2006/compatibility" xmlns:p14="http://schemas.microsoft.com/office/powerpoint/2010/main" showMasterPhAnim="0" showMasterSp="0">
   <p:cSld>
     <p:spTree>
@@ -637,291 +922,6 @@
       <p:sp>
         <p:nvSpPr>
           <p:cNvPr id="200" name="Shape 200"/>
-          <p:cNvSpPr txBox="1"/>
-          <p:nvPr>
-            <p:ph idx="1" type="body"/>
-          </p:nvPr>
-        </p:nvSpPr>
-        <p:spPr>
-          <a:xfrm>
-            <a:off x="685800" y="4343400"/>
-            <a:ext cx="5486400" cy="4114800"/>
-          </a:xfrm>
-          <a:prstGeom prst="rect">
-            <a:avLst/>
-          </a:prstGeom>
-        </p:spPr>
-        <p:txBody>
-          <a:bodyPr anchorCtr="0" anchor="t" bIns="91425" lIns="91425" rIns="91425" tIns="91425">
-            <a:noAutofit/>
-          </a:bodyPr>
-          <a:lstStyle/>
-          <a:p>
-            <a:pPr lvl="0">
-              <a:spcBef>
-                <a:spcPts val="0"/>
-              </a:spcBef>
-              <a:buNone/>
-            </a:pPr>
-            <a:r>
-              <a:t/>
-            </a:r>
-            <a:endParaRPr/>
-          </a:p>
-        </p:txBody>
-      </p:sp>
-    </p:spTree>
-  </p:cSld>
-  <p:clrMapOvr>
-    <a:masterClrMapping/>
-  </p:clrMapOvr>
-</p:notes>
-</file>
-
-<file path=ppt/notesSlides/notesSlide12.xml><?xml version="1.0" encoding="utf-8"?>
-<p:notes xmlns:a="http://schemas.openxmlformats.org/drawingml/2006/main" xmlns:r="http://schemas.openxmlformats.org/officeDocument/2006/relationships" xmlns:mc="http://schemas.openxmlformats.org/markup-compatibility/2006" xmlns:mv="urn:schemas-microsoft-com:mac:vml" xmlns:p="http://schemas.openxmlformats.org/presentationml/2006/main" xmlns:c="http://schemas.openxmlformats.org/drawingml/2006/chart" xmlns:dgm="http://schemas.openxmlformats.org/drawingml/2006/diagram" xmlns:o="urn:schemas-microsoft-com:office:office" xmlns:v="urn:schemas-microsoft-com:vml" xmlns:pvml="urn:schemas-microsoft-com:office:powerpoint" xmlns:com="http://schemas.openxmlformats.org/drawingml/2006/compatibility" xmlns:p14="http://schemas.microsoft.com/office/powerpoint/2010/main" showMasterPhAnim="0" showMasterSp="0">
-  <p:cSld>
-    <p:spTree>
-      <p:nvGrpSpPr>
-        <p:cNvPr id="215" name="Shape 215"/>
-        <p:cNvGrpSpPr/>
-        <p:nvPr/>
-      </p:nvGrpSpPr>
-      <p:grpSpPr>
-        <a:xfrm>
-          <a:off x="0" y="0"/>
-          <a:ext cx="0" cy="0"/>
-          <a:chOff x="0" y="0"/>
-          <a:chExt cx="0" cy="0"/>
-        </a:xfrm>
-      </p:grpSpPr>
-      <p:sp>
-        <p:nvSpPr>
-          <p:cNvPr id="216" name="Shape 216"/>
-          <p:cNvSpPr/>
-          <p:nvPr>
-            <p:ph idx="2" type="sldImg"/>
-          </p:nvPr>
-        </p:nvSpPr>
-        <p:spPr>
-          <a:xfrm>
-            <a:off x="381300" y="685800"/>
-            <a:ext cx="6096000" cy="3429000"/>
-          </a:xfrm>
-          <a:custGeom>
-            <a:pathLst>
-              <a:path extrusionOk="0" h="120000" w="120000">
-                <a:moveTo>
-                  <a:pt x="0" y="0"/>
-                </a:moveTo>
-                <a:lnTo>
-                  <a:pt x="120000" y="0"/>
-                </a:lnTo>
-                <a:lnTo>
-                  <a:pt x="120000" y="120000"/>
-                </a:lnTo>
-                <a:lnTo>
-                  <a:pt x="0" y="120000"/>
-                </a:lnTo>
-                <a:close/>
-              </a:path>
-            </a:pathLst>
-          </a:custGeom>
-        </p:spPr>
-      </p:sp>
-      <p:sp>
-        <p:nvSpPr>
-          <p:cNvPr id="217" name="Shape 217"/>
-          <p:cNvSpPr txBox="1"/>
-          <p:nvPr>
-            <p:ph idx="1" type="body"/>
-          </p:nvPr>
-        </p:nvSpPr>
-        <p:spPr>
-          <a:xfrm>
-            <a:off x="685800" y="4343400"/>
-            <a:ext cx="5486400" cy="4114800"/>
-          </a:xfrm>
-          <a:prstGeom prst="rect">
-            <a:avLst/>
-          </a:prstGeom>
-        </p:spPr>
-        <p:txBody>
-          <a:bodyPr anchorCtr="0" anchor="t" bIns="91425" lIns="91425" rIns="91425" tIns="91425">
-            <a:noAutofit/>
-          </a:bodyPr>
-          <a:lstStyle/>
-          <a:p>
-            <a:pPr lvl="0">
-              <a:spcBef>
-                <a:spcPts val="0"/>
-              </a:spcBef>
-              <a:buNone/>
-            </a:pPr>
-            <a:r>
-              <a:t/>
-            </a:r>
-            <a:endParaRPr/>
-          </a:p>
-        </p:txBody>
-      </p:sp>
-    </p:spTree>
-  </p:cSld>
-  <p:clrMapOvr>
-    <a:masterClrMapping/>
-  </p:clrMapOvr>
-</p:notes>
-</file>
-
-<file path=ppt/notesSlides/notesSlide13.xml><?xml version="1.0" encoding="utf-8"?>
-<p:notes xmlns:a="http://schemas.openxmlformats.org/drawingml/2006/main" xmlns:r="http://schemas.openxmlformats.org/officeDocument/2006/relationships" xmlns:mc="http://schemas.openxmlformats.org/markup-compatibility/2006" xmlns:mv="urn:schemas-microsoft-com:mac:vml" xmlns:p="http://schemas.openxmlformats.org/presentationml/2006/main" xmlns:c="http://schemas.openxmlformats.org/drawingml/2006/chart" xmlns:dgm="http://schemas.openxmlformats.org/drawingml/2006/diagram" xmlns:o="urn:schemas-microsoft-com:office:office" xmlns:v="urn:schemas-microsoft-com:vml" xmlns:pvml="urn:schemas-microsoft-com:office:powerpoint" xmlns:com="http://schemas.openxmlformats.org/drawingml/2006/compatibility" xmlns:p14="http://schemas.microsoft.com/office/powerpoint/2010/main" showMasterPhAnim="0" showMasterSp="0">
-  <p:cSld>
-    <p:spTree>
-      <p:nvGrpSpPr>
-        <p:cNvPr id="224" name="Shape 224"/>
-        <p:cNvGrpSpPr/>
-        <p:nvPr/>
-      </p:nvGrpSpPr>
-      <p:grpSpPr>
-        <a:xfrm>
-          <a:off x="0" y="0"/>
-          <a:ext cx="0" cy="0"/>
-          <a:chOff x="0" y="0"/>
-          <a:chExt cx="0" cy="0"/>
-        </a:xfrm>
-      </p:grpSpPr>
-      <p:sp>
-        <p:nvSpPr>
-          <p:cNvPr id="225" name="Shape 225"/>
-          <p:cNvSpPr/>
-          <p:nvPr>
-            <p:ph idx="2" type="sldImg"/>
-          </p:nvPr>
-        </p:nvSpPr>
-        <p:spPr>
-          <a:xfrm>
-            <a:off x="381300" y="685800"/>
-            <a:ext cx="6096000" cy="3429000"/>
-          </a:xfrm>
-          <a:custGeom>
-            <a:pathLst>
-              <a:path extrusionOk="0" h="120000" w="120000">
-                <a:moveTo>
-                  <a:pt x="0" y="0"/>
-                </a:moveTo>
-                <a:lnTo>
-                  <a:pt x="120000" y="0"/>
-                </a:lnTo>
-                <a:lnTo>
-                  <a:pt x="120000" y="120000"/>
-                </a:lnTo>
-                <a:lnTo>
-                  <a:pt x="0" y="120000"/>
-                </a:lnTo>
-                <a:close/>
-              </a:path>
-            </a:pathLst>
-          </a:custGeom>
-        </p:spPr>
-      </p:sp>
-      <p:sp>
-        <p:nvSpPr>
-          <p:cNvPr id="226" name="Shape 226"/>
-          <p:cNvSpPr txBox="1"/>
-          <p:nvPr>
-            <p:ph idx="1" type="body"/>
-          </p:nvPr>
-        </p:nvSpPr>
-        <p:spPr>
-          <a:xfrm>
-            <a:off x="685800" y="4343400"/>
-            <a:ext cx="5486400" cy="4114800"/>
-          </a:xfrm>
-          <a:prstGeom prst="rect">
-            <a:avLst/>
-          </a:prstGeom>
-        </p:spPr>
-        <p:txBody>
-          <a:bodyPr anchorCtr="0" anchor="t" bIns="91425" lIns="91425" rIns="91425" tIns="91425">
-            <a:noAutofit/>
-          </a:bodyPr>
-          <a:lstStyle/>
-          <a:p>
-            <a:pPr lvl="0">
-              <a:spcBef>
-                <a:spcPts val="0"/>
-              </a:spcBef>
-              <a:buNone/>
-            </a:pPr>
-            <a:r>
-              <a:t/>
-            </a:r>
-            <a:endParaRPr/>
-          </a:p>
-        </p:txBody>
-      </p:sp>
-    </p:spTree>
-  </p:cSld>
-  <p:clrMapOvr>
-    <a:masterClrMapping/>
-  </p:clrMapOvr>
-</p:notes>
-</file>
-
-<file path=ppt/notesSlides/notesSlide14.xml><?xml version="1.0" encoding="utf-8"?>
-<p:notes xmlns:a="http://schemas.openxmlformats.org/drawingml/2006/main" xmlns:r="http://schemas.openxmlformats.org/officeDocument/2006/relationships" xmlns:mc="http://schemas.openxmlformats.org/markup-compatibility/2006" xmlns:mv="urn:schemas-microsoft-com:mac:vml" xmlns:p="http://schemas.openxmlformats.org/presentationml/2006/main" xmlns:c="http://schemas.openxmlformats.org/drawingml/2006/chart" xmlns:dgm="http://schemas.openxmlformats.org/drawingml/2006/diagram" xmlns:o="urn:schemas-microsoft-com:office:office" xmlns:v="urn:schemas-microsoft-com:vml" xmlns:pvml="urn:schemas-microsoft-com:office:powerpoint" xmlns:com="http://schemas.openxmlformats.org/drawingml/2006/compatibility" xmlns:p14="http://schemas.microsoft.com/office/powerpoint/2010/main" showMasterPhAnim="0" showMasterSp="0">
-  <p:cSld>
-    <p:spTree>
-      <p:nvGrpSpPr>
-        <p:cNvPr id="232" name="Shape 232"/>
-        <p:cNvGrpSpPr/>
-        <p:nvPr/>
-      </p:nvGrpSpPr>
-      <p:grpSpPr>
-        <a:xfrm>
-          <a:off x="0" y="0"/>
-          <a:ext cx="0" cy="0"/>
-          <a:chOff x="0" y="0"/>
-          <a:chExt cx="0" cy="0"/>
-        </a:xfrm>
-      </p:grpSpPr>
-      <p:sp>
-        <p:nvSpPr>
-          <p:cNvPr id="233" name="Shape 233"/>
-          <p:cNvSpPr/>
-          <p:nvPr>
-            <p:ph idx="2" type="sldImg"/>
-          </p:nvPr>
-        </p:nvSpPr>
-        <p:spPr>
-          <a:xfrm>
-            <a:off x="381300" y="685800"/>
-            <a:ext cx="6096000" cy="3429000"/>
-          </a:xfrm>
-          <a:custGeom>
-            <a:pathLst>
-              <a:path extrusionOk="0" h="120000" w="120000">
-                <a:moveTo>
-                  <a:pt x="0" y="0"/>
-                </a:moveTo>
-                <a:lnTo>
-                  <a:pt x="120000" y="0"/>
-                </a:lnTo>
-                <a:lnTo>
-                  <a:pt x="120000" y="120000"/>
-                </a:lnTo>
-                <a:lnTo>
-                  <a:pt x="0" y="120000"/>
-                </a:lnTo>
-                <a:close/>
-              </a:path>
-            </a:pathLst>
-          </a:custGeom>
-        </p:spPr>
-      </p:sp>
-      <p:sp>
-        <p:nvSpPr>
-          <p:cNvPr id="234" name="Shape 234"/>
           <p:cNvSpPr txBox="1"/>
           <p:nvPr>
             <p:ph idx="1" type="body"/>
@@ -1443,7 +1443,7 @@
   <p:cSld>
     <p:spTree>
       <p:nvGrpSpPr>
-        <p:cNvPr id="143" name="Shape 143"/>
+        <p:cNvPr id="109" name="Shape 109"/>
         <p:cNvGrpSpPr/>
         <p:nvPr/>
       </p:nvGrpSpPr>
@@ -1457,7 +1457,7 @@
       </p:grpSpPr>
       <p:sp>
         <p:nvSpPr>
-          <p:cNvPr id="144" name="Shape 144"/>
+          <p:cNvPr id="110" name="Shape 110"/>
           <p:cNvSpPr/>
           <p:nvPr>
             <p:ph idx="2" type="sldImg"/>
@@ -1491,7 +1491,7 @@
       </p:sp>
       <p:sp>
         <p:nvSpPr>
-          <p:cNvPr id="145" name="Shape 145"/>
+          <p:cNvPr id="111" name="Shape 111"/>
           <p:cNvSpPr txBox="1"/>
           <p:nvPr>
             <p:ph idx="1" type="body"/>
@@ -1538,7 +1538,7 @@
   <p:cSld>
     <p:spTree>
       <p:nvGrpSpPr>
-        <p:cNvPr id="155" name="Shape 155"/>
+        <p:cNvPr id="121" name="Shape 121"/>
         <p:cNvGrpSpPr/>
         <p:nvPr/>
       </p:nvGrpSpPr>
@@ -1552,7 +1552,7 @@
       </p:grpSpPr>
       <p:sp>
         <p:nvSpPr>
-          <p:cNvPr id="156" name="Shape 156"/>
+          <p:cNvPr id="122" name="Shape 122"/>
           <p:cNvSpPr/>
           <p:nvPr>
             <p:ph idx="2" type="sldImg"/>
@@ -1586,7 +1586,7 @@
       </p:sp>
       <p:sp>
         <p:nvSpPr>
-          <p:cNvPr id="157" name="Shape 157"/>
+          <p:cNvPr id="123" name="Shape 123"/>
           <p:cNvSpPr txBox="1"/>
           <p:nvPr>
             <p:ph idx="1" type="body"/>
@@ -1633,7 +1633,7 @@
   <p:cSld>
     <p:spTree>
       <p:nvGrpSpPr>
-        <p:cNvPr id="173" name="Shape 173"/>
+        <p:cNvPr id="139" name="Shape 139"/>
         <p:cNvGrpSpPr/>
         <p:nvPr/>
       </p:nvGrpSpPr>
@@ -1647,7 +1647,7 @@
       </p:grpSpPr>
       <p:sp>
         <p:nvSpPr>
-          <p:cNvPr id="174" name="Shape 174"/>
+          <p:cNvPr id="140" name="Shape 140"/>
           <p:cNvSpPr/>
           <p:nvPr>
             <p:ph idx="2" type="sldImg"/>
@@ -1681,7 +1681,7 @@
       </p:sp>
       <p:sp>
         <p:nvSpPr>
-          <p:cNvPr id="175" name="Shape 175"/>
+          <p:cNvPr id="141" name="Shape 141"/>
           <p:cNvSpPr txBox="1"/>
           <p:nvPr>
             <p:ph idx="1" type="body"/>
@@ -6156,7 +6156,7 @@
   <p:cSld>
     <p:spTree>
       <p:nvGrpSpPr>
-        <p:cNvPr id="194" name="Shape 194"/>
+        <p:cNvPr id="160" name="Shape 160"/>
         <p:cNvGrpSpPr/>
         <p:nvPr/>
       </p:nvGrpSpPr>
@@ -6170,7 +6170,7 @@
       </p:grpSpPr>
       <p:sp>
         <p:nvSpPr>
-          <p:cNvPr id="195" name="Shape 195"/>
+          <p:cNvPr id="161" name="Shape 161"/>
           <p:cNvSpPr txBox="1"/>
           <p:nvPr>
             <p:ph type="title"/>
@@ -6206,7 +6206,7 @@
       </p:sp>
       <p:sp>
         <p:nvSpPr>
-          <p:cNvPr id="196" name="Shape 196"/>
+          <p:cNvPr id="162" name="Shape 162"/>
           <p:cNvSpPr txBox="1"/>
           <p:nvPr>
             <p:ph idx="1" type="body"/>
@@ -6319,7 +6319,7 @@
       </p:sp>
       <p:pic>
         <p:nvPicPr>
-          <p:cNvPr id="197" name="Shape 197"/>
+          <p:cNvPr id="163" name="Shape 163"/>
           <p:cNvPicPr preferRelativeResize="0"/>
           <p:nvPr/>
         </p:nvPicPr>
@@ -6387,7 +6387,7 @@
                                           </p:stCondLst>
                                         </p:cTn>
                                         <p:tgtEl>
-                                          <p:spTgt spid="197"/>
+                                          <p:spTgt spid="163"/>
                                         </p:tgtEl>
                                         <p:attrNameLst>
                                           <p:attrName>style.visibility</p:attrName>
@@ -6401,7 +6401,7 @@
                                       <p:cBhvr additive="base">
                                         <p:cTn dur="1000"/>
                                         <p:tgtEl>
-                                          <p:spTgt spid="197"/>
+                                          <p:spTgt spid="163"/>
                                         </p:tgtEl>
                                         <p:attrNameLst>
                                           <p:attrName>ppt_x</p:attrName>
@@ -6455,7 +6455,7 @@
                                           </p:stCondLst>
                                         </p:cTn>
                                         <p:tgtEl>
-                                          <p:spTgt spid="196">
+                                          <p:spTgt spid="162">
                                             <p:txEl>
                                               <p:pRg end="0" st="0"/>
                                             </p:txEl>
@@ -6473,7 +6473,7 @@
                                       <p:cBhvr>
                                         <p:cTn dur="1000"/>
                                         <p:tgtEl>
-                                          <p:spTgt spid="196">
+                                          <p:spTgt spid="162">
                                             <p:txEl>
                                               <p:pRg end="0" st="0"/>
                                             </p:txEl>
@@ -6516,7 +6516,7 @@
                                           </p:stCondLst>
                                         </p:cTn>
                                         <p:tgtEl>
-                                          <p:spTgt spid="196">
+                                          <p:spTgt spid="162">
                                             <p:txEl>
                                               <p:pRg end="1" st="1"/>
                                             </p:txEl>
@@ -6534,7 +6534,7 @@
                                       <p:cBhvr>
                                         <p:cTn dur="1000"/>
                                         <p:tgtEl>
-                                          <p:spTgt spid="196">
+                                          <p:spTgt spid="162">
                                             <p:txEl>
                                               <p:pRg end="1" st="1"/>
                                             </p:txEl>
@@ -6577,7 +6577,7 @@
                                           </p:stCondLst>
                                         </p:cTn>
                                         <p:tgtEl>
-                                          <p:spTgt spid="196">
+                                          <p:spTgt spid="162">
                                             <p:txEl>
                                               <p:pRg end="2" st="2"/>
                                             </p:txEl>
@@ -6595,7 +6595,7 @@
                                       <p:cBhvr>
                                         <p:cTn dur="1000"/>
                                         <p:tgtEl>
-                                          <p:spTgt spid="196">
+                                          <p:spTgt spid="162">
                                             <p:txEl>
                                               <p:pRg end="2" st="2"/>
                                             </p:txEl>
@@ -6638,7 +6638,7 @@
                                           </p:stCondLst>
                                         </p:cTn>
                                         <p:tgtEl>
-                                          <p:spTgt spid="196">
+                                          <p:spTgt spid="162">
                                             <p:txEl>
                                               <p:pRg end="3" st="3"/>
                                             </p:txEl>
@@ -6656,7 +6656,7 @@
                                       <p:cBhvr>
                                         <p:cTn dur="1000"/>
                                         <p:tgtEl>
-                                          <p:spTgt spid="196">
+                                          <p:spTgt spid="162">
                                             <p:txEl>
                                               <p:pRg end="3" st="3"/>
                                             </p:txEl>
@@ -6699,7 +6699,7 @@
                                           </p:stCondLst>
                                         </p:cTn>
                                         <p:tgtEl>
-                                          <p:spTgt spid="196">
+                                          <p:spTgt spid="162">
                                             <p:txEl>
                                               <p:pRg end="4" st="4"/>
                                             </p:txEl>
@@ -6717,7 +6717,7 @@
                                       <p:cBhvr>
                                         <p:cTn dur="1000"/>
                                         <p:tgtEl>
-                                          <p:spTgt spid="196">
+                                          <p:spTgt spid="162">
                                             <p:txEl>
                                               <p:pRg end="4" st="4"/>
                                             </p:txEl>
@@ -6756,7 +6756,7 @@
                                       <p:cBhvr additive="base">
                                         <p:cTn dur="1000"/>
                                         <p:tgtEl>
-                                          <p:spTgt spid="195"/>
+                                          <p:spTgt spid="161"/>
                                         </p:tgtEl>
                                         <p:attrNameLst>
                                           <p:attrName>ppt_x</p:attrName>
@@ -6783,7 +6783,7 @@
                                           </p:stCondLst>
                                         </p:cTn>
                                         <p:tgtEl>
-                                          <p:spTgt spid="195"/>
+                                          <p:spTgt spid="161"/>
                                         </p:tgtEl>
                                         <p:attrNameLst>
                                           <p:attrName>style.visibility</p:attrName>
@@ -6806,7 +6806,7 @@
                                       <p:cBhvr additive="base">
                                         <p:cTn dur="1000"/>
                                         <p:tgtEl>
-                                          <p:spTgt spid="197"/>
+                                          <p:spTgt spid="163"/>
                                         </p:tgtEl>
                                         <p:attrNameLst>
                                           <p:attrName>ppt_x</p:attrName>
@@ -6833,7 +6833,7 @@
                                           </p:stCondLst>
                                         </p:cTn>
                                         <p:tgtEl>
-                                          <p:spTgt spid="197"/>
+                                          <p:spTgt spid="163"/>
                                         </p:tgtEl>
                                         <p:attrNameLst>
                                           <p:attrName>style.visibility</p:attrName>
@@ -6882,7 +6882,7 @@
   <p:cSld>
     <p:spTree>
       <p:nvGrpSpPr>
-        <p:cNvPr id="201" name="Shape 201"/>
+        <p:cNvPr id="167" name="Shape 167"/>
         <p:cNvGrpSpPr/>
         <p:nvPr/>
       </p:nvGrpSpPr>
@@ -6896,7 +6896,7 @@
       </p:grpSpPr>
       <p:sp>
         <p:nvSpPr>
-          <p:cNvPr id="202" name="Shape 202"/>
+          <p:cNvPr id="168" name="Shape 168"/>
           <p:cNvSpPr txBox="1"/>
           <p:nvPr>
             <p:ph type="title"/>
@@ -6932,7 +6932,7 @@
       </p:sp>
       <p:sp>
         <p:nvSpPr>
-          <p:cNvPr id="203" name="Shape 203"/>
+          <p:cNvPr id="169" name="Shape 169"/>
           <p:cNvSpPr txBox="1"/>
           <p:nvPr>
             <p:ph idx="1" type="body"/>
@@ -6968,7 +6968,7 @@
       </p:sp>
       <p:sp>
         <p:nvSpPr>
-          <p:cNvPr id="204" name="Shape 204"/>
+          <p:cNvPr id="170" name="Shape 170"/>
           <p:cNvSpPr txBox="1"/>
           <p:nvPr>
             <p:ph idx="2" type="body"/>
@@ -7004,7 +7004,7 @@
       </p:sp>
       <p:grpSp>
         <p:nvGrpSpPr>
-          <p:cNvPr id="205" name="Shape 205"/>
+          <p:cNvPr id="171" name="Shape 171"/>
           <p:cNvGrpSpPr/>
           <p:nvPr/>
         </p:nvGrpSpPr>
@@ -7018,7 +7018,7 @@
         </p:grpSpPr>
         <p:sp>
           <p:nvSpPr>
-            <p:cNvPr id="206" name="Shape 206"/>
+            <p:cNvPr id="172" name="Shape 172"/>
             <p:cNvSpPr txBox="1"/>
             <p:nvPr/>
           </p:nvSpPr>
@@ -7085,7 +7085,7 @@
         </p:sp>
         <p:pic>
           <p:nvPicPr>
-            <p:cNvPr id="207" name="Shape 207"/>
+            <p:cNvPr id="173" name="Shape 173"/>
             <p:cNvPicPr preferRelativeResize="0"/>
             <p:nvPr/>
           </p:nvPicPr>
@@ -7114,7 +7114,7 @@
       </p:grpSp>
       <p:grpSp>
         <p:nvGrpSpPr>
-          <p:cNvPr id="208" name="Shape 208"/>
+          <p:cNvPr id="174" name="Shape 174"/>
           <p:cNvGrpSpPr/>
           <p:nvPr/>
         </p:nvGrpSpPr>
@@ -7128,7 +7128,7 @@
         </p:grpSpPr>
         <p:sp>
           <p:nvSpPr>
-            <p:cNvPr id="209" name="Shape 209"/>
+            <p:cNvPr id="175" name="Shape 175"/>
             <p:cNvSpPr txBox="1"/>
             <p:nvPr/>
           </p:nvSpPr>
@@ -7184,7 +7184,7 @@
         </p:sp>
         <p:pic>
           <p:nvPicPr>
-            <p:cNvPr id="210" name="Shape 210"/>
+            <p:cNvPr id="176" name="Shape 176"/>
             <p:cNvPicPr preferRelativeResize="0"/>
             <p:nvPr/>
           </p:nvPicPr>
@@ -7213,7 +7213,7 @@
       </p:grpSp>
       <p:grpSp>
         <p:nvGrpSpPr>
-          <p:cNvPr id="211" name="Shape 211"/>
+          <p:cNvPr id="177" name="Shape 177"/>
           <p:cNvGrpSpPr/>
           <p:nvPr/>
         </p:nvGrpSpPr>
@@ -7227,7 +7227,7 @@
         </p:grpSpPr>
         <p:sp>
           <p:nvSpPr>
-            <p:cNvPr id="212" name="Shape 212"/>
+            <p:cNvPr id="178" name="Shape 178"/>
             <p:cNvSpPr txBox="1"/>
             <p:nvPr/>
           </p:nvSpPr>
@@ -7283,7 +7283,7 @@
         </p:sp>
         <p:pic>
           <p:nvPicPr>
-            <p:cNvPr id="213" name="Shape 213"/>
+            <p:cNvPr id="179" name="Shape 179"/>
             <p:cNvPicPr preferRelativeResize="0"/>
             <p:nvPr/>
           </p:nvPicPr>
@@ -7312,7 +7312,7 @@
       </p:grpSp>
       <p:sp>
         <p:nvSpPr>
-          <p:cNvPr id="214" name="Shape 214"/>
+          <p:cNvPr id="180" name="Shape 180"/>
           <p:cNvSpPr txBox="1"/>
           <p:nvPr/>
         </p:nvSpPr>
@@ -7404,7 +7404,7 @@
                                           </p:stCondLst>
                                         </p:cTn>
                                         <p:tgtEl>
-                                          <p:spTgt spid="203"/>
+                                          <p:spTgt spid="169"/>
                                         </p:tgtEl>
                                         <p:attrNameLst>
                                           <p:attrName>style.visibility</p:attrName>
@@ -7418,7 +7418,7 @@
                                       <p:cBhvr>
                                         <p:cTn dur="1000"/>
                                         <p:tgtEl>
-                                          <p:spTgt spid="203"/>
+                                          <p:spTgt spid="169"/>
                                         </p:tgtEl>
                                       </p:cBhvr>
                                     </p:animEffect>
@@ -7457,7 +7457,7 @@
                                           </p:stCondLst>
                                         </p:cTn>
                                         <p:tgtEl>
-                                          <p:spTgt spid="208"/>
+                                          <p:spTgt spid="174"/>
                                         </p:tgtEl>
                                         <p:attrNameLst>
                                           <p:attrName>style.visibility</p:attrName>
@@ -7471,7 +7471,7 @@
                                       <p:cBhvr additive="base">
                                         <p:cTn dur="1000"/>
                                         <p:tgtEl>
-                                          <p:spTgt spid="208"/>
+                                          <p:spTgt spid="174"/>
                                         </p:tgtEl>
                                         <p:attrNameLst>
                                           <p:attrName>ppt_x</p:attrName>
@@ -7525,7 +7525,7 @@
                                           </p:stCondLst>
                                         </p:cTn>
                                         <p:tgtEl>
-                                          <p:spTgt spid="211"/>
+                                          <p:spTgt spid="177"/>
                                         </p:tgtEl>
                                         <p:attrNameLst>
                                           <p:attrName>style.visibility</p:attrName>
@@ -7539,7 +7539,7 @@
                                       <p:cBhvr additive="base">
                                         <p:cTn dur="1000"/>
                                         <p:tgtEl>
-                                          <p:spTgt spid="211"/>
+                                          <p:spTgt spid="177"/>
                                         </p:tgtEl>
                                         <p:attrNameLst>
                                           <p:attrName>ppt_x</p:attrName>
@@ -7593,7 +7593,7 @@
                                           </p:stCondLst>
                                         </p:cTn>
                                         <p:tgtEl>
-                                          <p:spTgt spid="204"/>
+                                          <p:spTgt spid="170"/>
                                         </p:tgtEl>
                                         <p:attrNameLst>
                                           <p:attrName>style.visibility</p:attrName>
@@ -7607,7 +7607,7 @@
                                       <p:cBhvr>
                                         <p:cTn dur="1000"/>
                                         <p:tgtEl>
-                                          <p:spTgt spid="204"/>
+                                          <p:spTgt spid="170"/>
                                         </p:tgtEl>
                                       </p:cBhvr>
                                     </p:animEffect>
@@ -7646,7 +7646,7 @@
                                           </p:stCondLst>
                                         </p:cTn>
                                         <p:tgtEl>
-                                          <p:spTgt spid="205"/>
+                                          <p:spTgt spid="171"/>
                                         </p:tgtEl>
                                         <p:attrNameLst>
                                           <p:attrName>style.visibility</p:attrName>
@@ -7660,7 +7660,7 @@
                                       <p:cBhvr additive="base">
                                         <p:cTn dur="1000"/>
                                         <p:tgtEl>
-                                          <p:spTgt spid="205"/>
+                                          <p:spTgt spid="171"/>
                                         </p:tgtEl>
                                         <p:attrNameLst>
                                           <p:attrName>ppt_y</p:attrName>
@@ -7705,7 +7705,7 @@
                                           </p:stCondLst>
                                         </p:cTn>
                                         <p:tgtEl>
-                                          <p:spTgt spid="214"/>
+                                          <p:spTgt spid="180"/>
                                         </p:tgtEl>
                                         <p:attrNameLst>
                                           <p:attrName>style.visibility</p:attrName>
@@ -7719,7 +7719,7 @@
                                       <p:cBhvr>
                                         <p:cTn dur="1000"/>
                                         <p:tgtEl>
-                                          <p:spTgt spid="214"/>
+                                          <p:spTgt spid="180"/>
                                         </p:tgtEl>
                                       </p:cBhvr>
                                     </p:animEffect>
@@ -7762,7 +7762,7 @@
   <p:cSld>
     <p:spTree>
       <p:nvGrpSpPr>
-        <p:cNvPr id="218" name="Shape 218"/>
+        <p:cNvPr id="184" name="Shape 184"/>
         <p:cNvGrpSpPr/>
         <p:nvPr/>
       </p:nvGrpSpPr>
@@ -7776,7 +7776,7 @@
       </p:grpSpPr>
       <p:sp>
         <p:nvSpPr>
-          <p:cNvPr id="219" name="Shape 219"/>
+          <p:cNvPr id="185" name="Shape 185"/>
           <p:cNvSpPr txBox="1"/>
           <p:nvPr>
             <p:ph type="title"/>
@@ -7817,7 +7817,7 @@
       </p:sp>
       <p:sp>
         <p:nvSpPr>
-          <p:cNvPr id="220" name="Shape 220"/>
+          <p:cNvPr id="186" name="Shape 186"/>
           <p:cNvSpPr txBox="1"/>
           <p:nvPr>
             <p:ph idx="1" type="body"/>
@@ -7858,7 +7858,7 @@
       </p:sp>
       <p:pic>
         <p:nvPicPr>
-          <p:cNvPr id="221" name="Shape 221"/>
+          <p:cNvPr id="187" name="Shape 187"/>
           <p:cNvPicPr preferRelativeResize="0"/>
           <p:nvPr/>
         </p:nvPicPr>
@@ -7886,7 +7886,7 @@
       </p:pic>
       <p:pic>
         <p:nvPicPr>
-          <p:cNvPr id="222" name="Shape 222"/>
+          <p:cNvPr id="188" name="Shape 188"/>
           <p:cNvPicPr preferRelativeResize="0"/>
           <p:nvPr/>
         </p:nvPicPr>
@@ -7914,7 +7914,7 @@
       </p:pic>
       <p:pic>
         <p:nvPicPr>
-          <p:cNvPr id="223" name="Shape 223"/>
+          <p:cNvPr id="189" name="Shape 189"/>
           <p:cNvPicPr preferRelativeResize="0"/>
           <p:nvPr/>
         </p:nvPicPr>
@@ -7982,7 +7982,7 @@
                                           </p:stCondLst>
                                         </p:cTn>
                                         <p:tgtEl>
-                                          <p:spTgt spid="219"/>
+                                          <p:spTgt spid="185"/>
                                         </p:tgtEl>
                                         <p:attrNameLst>
                                           <p:attrName>style.visibility</p:attrName>
@@ -7996,7 +7996,7 @@
                                       <p:cBhvr>
                                         <p:cTn dur="1000"/>
                                         <p:tgtEl>
-                                          <p:spTgt spid="219"/>
+                                          <p:spTgt spid="185"/>
                                         </p:tgtEl>
                                       </p:cBhvr>
                                     </p:animEffect>
@@ -8026,7 +8026,7 @@
                                           </p:stCondLst>
                                         </p:cTn>
                                         <p:tgtEl>
-                                          <p:spTgt spid="220"/>
+                                          <p:spTgt spid="186"/>
                                         </p:tgtEl>
                                         <p:attrNameLst>
                                           <p:attrName>style.visibility</p:attrName>
@@ -8040,7 +8040,7 @@
                                       <p:cBhvr>
                                         <p:cTn dur="1500"/>
                                         <p:tgtEl>
-                                          <p:spTgt spid="220"/>
+                                          <p:spTgt spid="186"/>
                                         </p:tgtEl>
                                       </p:cBhvr>
                                     </p:animEffect>
@@ -8061,7 +8061,7 @@
                                           </p:stCondLst>
                                         </p:cTn>
                                         <p:tgtEl>
-                                          <p:spTgt spid="221"/>
+                                          <p:spTgt spid="187"/>
                                         </p:tgtEl>
                                         <p:attrNameLst>
                                           <p:attrName>style.visibility</p:attrName>
@@ -8075,7 +8075,7 @@
                                       <p:cBhvr additive="base">
                                         <p:cTn dur="1000"/>
                                         <p:tgtEl>
-                                          <p:spTgt spid="221"/>
+                                          <p:spTgt spid="187"/>
                                         </p:tgtEl>
                                         <p:attrNameLst>
                                           <p:attrName>ppt_y</p:attrName>
@@ -8111,7 +8111,7 @@
                                           </p:stCondLst>
                                         </p:cTn>
                                         <p:tgtEl>
-                                          <p:spTgt spid="223"/>
+                                          <p:spTgt spid="189"/>
                                         </p:tgtEl>
                                         <p:attrNameLst>
                                           <p:attrName>style.visibility</p:attrName>
@@ -8125,7 +8125,7 @@
                                       <p:cBhvr additive="base">
                                         <p:cTn dur="1600"/>
                                         <p:tgtEl>
-                                          <p:spTgt spid="223"/>
+                                          <p:spTgt spid="189"/>
                                         </p:tgtEl>
                                         <p:attrNameLst>
                                           <p:attrName>ppt_x</p:attrName>
@@ -8161,7 +8161,7 @@
                                           </p:stCondLst>
                                         </p:cTn>
                                         <p:tgtEl>
-                                          <p:spTgt spid="222"/>
+                                          <p:spTgt spid="188"/>
                                         </p:tgtEl>
                                         <p:attrNameLst>
                                           <p:attrName>style.visibility</p:attrName>
@@ -8175,7 +8175,7 @@
                                       <p:cBhvr additive="base">
                                         <p:cTn dur="1000"/>
                                         <p:tgtEl>
-                                          <p:spTgt spid="222"/>
+                                          <p:spTgt spid="188"/>
                                         </p:tgtEl>
                                         <p:attrNameLst>
                                           <p:attrName>ppt_x</p:attrName>
@@ -8233,7 +8233,7 @@
   <p:cSld>
     <p:spTree>
       <p:nvGrpSpPr>
-        <p:cNvPr id="227" name="Shape 227"/>
+        <p:cNvPr id="193" name="Shape 193"/>
         <p:cNvGrpSpPr/>
         <p:nvPr/>
       </p:nvGrpSpPr>
@@ -8247,7 +8247,7 @@
       </p:grpSpPr>
       <p:sp>
         <p:nvSpPr>
-          <p:cNvPr id="228" name="Shape 228"/>
+          <p:cNvPr id="194" name="Shape 194"/>
           <p:cNvSpPr txBox="1"/>
           <p:nvPr>
             <p:ph type="title"/>
@@ -8288,7 +8288,7 @@
       </p:sp>
       <p:pic>
         <p:nvPicPr>
-          <p:cNvPr id="229" name="Shape 229"/>
+          <p:cNvPr id="195" name="Shape 195"/>
           <p:cNvPicPr preferRelativeResize="0"/>
           <p:nvPr/>
         </p:nvPicPr>
@@ -8316,7 +8316,7 @@
       </p:pic>
       <p:sp>
         <p:nvSpPr>
-          <p:cNvPr id="230" name="Shape 230"/>
+          <p:cNvPr id="196" name="Shape 196"/>
           <p:cNvSpPr/>
           <p:nvPr/>
         </p:nvSpPr>
@@ -8359,7 +8359,7 @@
       </p:sp>
       <p:sp>
         <p:nvSpPr>
-          <p:cNvPr id="231" name="Shape 231"/>
+          <p:cNvPr id="197" name="Shape 197"/>
           <p:cNvSpPr txBox="1"/>
           <p:nvPr>
             <p:ph type="title"/>
@@ -8367,8 +8367,8 @@
         </p:nvSpPr>
         <p:spPr>
           <a:xfrm>
-            <a:off x="6576625" y="2254000"/>
-            <a:ext cx="2136900" cy="635400"/>
+            <a:off x="6463300" y="2254000"/>
+            <a:ext cx="2363400" cy="635400"/>
           </a:xfrm>
           <a:prstGeom prst="rect">
             <a:avLst/>
@@ -8393,7 +8393,7 @@
                 <a:cs typeface="Consolas"/>
                 <a:sym typeface="Consolas"/>
               </a:rPr>
-              <a:t>Me dá ponto Antoanne!</a:t>
+              <a:t>Me dá ponto, Antoanne!</a:t>
             </a:r>
           </a:p>
         </p:txBody>
@@ -8437,7 +8437,7 @@
                                           </p:stCondLst>
                                         </p:cTn>
                                         <p:tgtEl>
-                                          <p:spTgt spid="231"/>
+                                          <p:spTgt spid="197"/>
                                         </p:tgtEl>
                                         <p:attrNameLst>
                                           <p:attrName>style.visibility</p:attrName>
@@ -8451,7 +8451,7 @@
                                       <p:cBhvr>
                                         <p:cTn dur="1000"/>
                                         <p:tgtEl>
-                                          <p:spTgt spid="231"/>
+                                          <p:spTgt spid="197"/>
                                         </p:tgtEl>
                                       </p:cBhvr>
                                     </p:animEffect>
@@ -8472,7 +8472,7 @@
                                           </p:stCondLst>
                                         </p:cTn>
                                         <p:tgtEl>
-                                          <p:spTgt spid="230"/>
+                                          <p:spTgt spid="196"/>
                                         </p:tgtEl>
                                         <p:attrNameLst>
                                           <p:attrName>style.visibility</p:attrName>
@@ -8486,7 +8486,7 @@
                                       <p:cBhvr>
                                         <p:cTn dur="1000"/>
                                         <p:tgtEl>
-                                          <p:spTgt spid="230"/>
+                                          <p:spTgt spid="196"/>
                                         </p:tgtEl>
                                       </p:cBhvr>
                                     </p:animEffect>
@@ -8529,7 +8529,7 @@
   <p:cSld>
     <p:spTree>
       <p:nvGrpSpPr>
-        <p:cNvPr id="235" name="Shape 235"/>
+        <p:cNvPr id="201" name="Shape 201"/>
         <p:cNvGrpSpPr/>
         <p:nvPr/>
       </p:nvGrpSpPr>
@@ -8543,7 +8543,7 @@
       </p:grpSpPr>
       <p:sp>
         <p:nvSpPr>
-          <p:cNvPr id="236" name="Shape 236"/>
+          <p:cNvPr id="202" name="Shape 202"/>
           <p:cNvSpPr txBox="1"/>
           <p:nvPr>
             <p:ph type="title"/>
@@ -8579,7 +8579,7 @@
       </p:sp>
       <p:sp>
         <p:nvSpPr>
-          <p:cNvPr id="237" name="Shape 237"/>
+          <p:cNvPr id="203" name="Shape 203"/>
           <p:cNvSpPr txBox="1"/>
           <p:nvPr>
             <p:ph idx="1" type="body"/>
@@ -10154,828 +10154,6 @@
           </a:ln>
         </p:spPr>
       </p:pic>
-      <p:grpSp>
-        <p:nvGrpSpPr>
-          <p:cNvPr id="109" name="Shape 109"/>
-          <p:cNvGrpSpPr/>
-          <p:nvPr/>
-        </p:nvGrpSpPr>
-        <p:grpSpPr>
-          <a:xfrm>
-            <a:off x="265501" y="101850"/>
-            <a:ext cx="8722235" cy="5008819"/>
-            <a:chOff x="265501" y="101850"/>
-            <a:chExt cx="8722235" cy="5008819"/>
-          </a:xfrm>
-        </p:grpSpPr>
-        <p:grpSp>
-          <p:nvGrpSpPr>
-            <p:cNvPr id="110" name="Shape 110"/>
-            <p:cNvGrpSpPr/>
-            <p:nvPr/>
-          </p:nvGrpSpPr>
-          <p:grpSpPr>
-            <a:xfrm>
-              <a:off x="265501" y="101850"/>
-              <a:ext cx="8722235" cy="5008819"/>
-              <a:chOff x="265500" y="101850"/>
-              <a:chExt cx="8574750" cy="4924124"/>
-            </a:xfrm>
-          </p:grpSpPr>
-          <p:grpSp>
-            <p:nvGrpSpPr>
-              <p:cNvPr id="111" name="Shape 111"/>
-              <p:cNvGrpSpPr/>
-              <p:nvPr/>
-            </p:nvGrpSpPr>
-            <p:grpSpPr>
-              <a:xfrm>
-                <a:off x="265500" y="101850"/>
-                <a:ext cx="8407400" cy="4924124"/>
-                <a:chOff x="265500" y="101850"/>
-                <a:chExt cx="8407400" cy="4924124"/>
-              </a:xfrm>
-            </p:grpSpPr>
-            <p:grpSp>
-              <p:nvGrpSpPr>
-                <p:cNvPr id="112" name="Shape 112"/>
-                <p:cNvGrpSpPr/>
-                <p:nvPr/>
-              </p:nvGrpSpPr>
-              <p:grpSpPr>
-                <a:xfrm>
-                  <a:off x="265500" y="183700"/>
-                  <a:ext cx="8407400" cy="4842274"/>
-                  <a:chOff x="265500" y="183700"/>
-                  <a:chExt cx="8407400" cy="4842274"/>
-                </a:xfrm>
-              </p:grpSpPr>
-              <p:grpSp>
-                <p:nvGrpSpPr>
-                  <p:cNvPr id="113" name="Shape 113"/>
-                  <p:cNvGrpSpPr/>
-                  <p:nvPr/>
-                </p:nvGrpSpPr>
-                <p:grpSpPr>
-                  <a:xfrm>
-                    <a:off x="265500" y="183700"/>
-                    <a:ext cx="8407400" cy="4842274"/>
-                    <a:chOff x="265500" y="183700"/>
-                    <a:chExt cx="8407400" cy="4842274"/>
-                  </a:xfrm>
-                </p:grpSpPr>
-                <p:grpSp>
-                  <p:nvGrpSpPr>
-                    <p:cNvPr id="114" name="Shape 114"/>
-                    <p:cNvGrpSpPr/>
-                    <p:nvPr/>
-                  </p:nvGrpSpPr>
-                  <p:grpSpPr>
-                    <a:xfrm>
-                      <a:off x="265500" y="183700"/>
-                      <a:ext cx="8407400" cy="4655849"/>
-                      <a:chOff x="265500" y="183700"/>
-                      <a:chExt cx="8407400" cy="4655849"/>
-                    </a:xfrm>
-                  </p:grpSpPr>
-                  <p:grpSp>
-                    <p:nvGrpSpPr>
-                      <p:cNvPr id="115" name="Shape 115"/>
-                      <p:cNvGrpSpPr/>
-                      <p:nvPr/>
-                    </p:nvGrpSpPr>
-                    <p:grpSpPr>
-                      <a:xfrm>
-                        <a:off x="265500" y="183700"/>
-                        <a:ext cx="8407400" cy="4563624"/>
-                        <a:chOff x="265500" y="183700"/>
-                        <a:chExt cx="8407400" cy="4563624"/>
-                      </a:xfrm>
-                    </p:grpSpPr>
-                    <p:grpSp>
-                      <p:nvGrpSpPr>
-                        <p:cNvPr id="116" name="Shape 116"/>
-                        <p:cNvGrpSpPr/>
-                        <p:nvPr/>
-                      </p:nvGrpSpPr>
-                      <p:grpSpPr>
-                        <a:xfrm>
-                          <a:off x="265500" y="183700"/>
-                          <a:ext cx="8407400" cy="4563624"/>
-                          <a:chOff x="265500" y="183700"/>
-                          <a:chExt cx="8407400" cy="4563624"/>
-                        </a:xfrm>
-                      </p:grpSpPr>
-                      <p:grpSp>
-                        <p:nvGrpSpPr>
-                          <p:cNvPr id="117" name="Shape 117"/>
-                          <p:cNvGrpSpPr/>
-                          <p:nvPr/>
-                        </p:nvGrpSpPr>
-                        <p:grpSpPr>
-                          <a:xfrm>
-                            <a:off x="265500" y="262875"/>
-                            <a:ext cx="7551950" cy="4001574"/>
-                            <a:chOff x="265500" y="262875"/>
-                            <a:chExt cx="7551950" cy="4001574"/>
-                          </a:xfrm>
-                        </p:grpSpPr>
-                        <p:grpSp>
-                          <p:nvGrpSpPr>
-                            <p:cNvPr id="118" name="Shape 118"/>
-                            <p:cNvGrpSpPr/>
-                            <p:nvPr/>
-                          </p:nvGrpSpPr>
-                          <p:grpSpPr>
-                            <a:xfrm>
-                              <a:off x="265500" y="262875"/>
-                              <a:ext cx="7551950" cy="2925574"/>
-                              <a:chOff x="265500" y="262875"/>
-                              <a:chExt cx="7551950" cy="2925574"/>
-                            </a:xfrm>
-                          </p:grpSpPr>
-                          <p:pic>
-                            <p:nvPicPr>
-                              <p:cNvPr id="119" name="Shape 119"/>
-                              <p:cNvPicPr preferRelativeResize="0"/>
-                              <p:nvPr/>
-                            </p:nvPicPr>
-                            <p:blipFill>
-                              <a:blip r:embed="rId4">
-                                <a:alphaModFix/>
-                              </a:blip>
-                              <a:stretch>
-                                <a:fillRect/>
-                              </a:stretch>
-                            </p:blipFill>
-                            <p:spPr>
-                              <a:xfrm>
-                                <a:off x="265500" y="262875"/>
-                                <a:ext cx="2877950" cy="1233399"/>
-                              </a:xfrm>
-                              <a:prstGeom prst="rect">
-                                <a:avLst/>
-                              </a:prstGeom>
-                              <a:noFill/>
-                              <a:ln>
-                                <a:noFill/>
-                              </a:ln>
-                            </p:spPr>
-                          </p:pic>
-                          <p:pic>
-                            <p:nvPicPr>
-                              <p:cNvPr id="120" name="Shape 120"/>
-                              <p:cNvPicPr preferRelativeResize="0"/>
-                              <p:nvPr/>
-                            </p:nvPicPr>
-                            <p:blipFill>
-                              <a:blip r:embed="rId4">
-                                <a:alphaModFix/>
-                              </a:blip>
-                              <a:stretch>
-                                <a:fillRect/>
-                              </a:stretch>
-                            </p:blipFill>
-                            <p:spPr>
-                              <a:xfrm>
-                                <a:off x="4939500" y="1955050"/>
-                                <a:ext cx="2877950" cy="1233399"/>
-                              </a:xfrm>
-                              <a:prstGeom prst="rect">
-                                <a:avLst/>
-                              </a:prstGeom>
-                              <a:noFill/>
-                              <a:ln>
-                                <a:noFill/>
-                              </a:ln>
-                            </p:spPr>
-                          </p:pic>
-                        </p:grpSp>
-                        <p:pic>
-                          <p:nvPicPr>
-                            <p:cNvPr id="121" name="Shape 121"/>
-                            <p:cNvPicPr preferRelativeResize="0"/>
-                            <p:nvPr/>
-                          </p:nvPicPr>
-                          <p:blipFill>
-                            <a:blip r:embed="rId4">
-                              <a:alphaModFix/>
-                            </a:blip>
-                            <a:stretch>
-                              <a:fillRect/>
-                            </a:stretch>
-                          </p:blipFill>
-                          <p:spPr>
-                            <a:xfrm>
-                              <a:off x="1016075" y="3031049"/>
-                              <a:ext cx="2877950" cy="1233399"/>
-                            </a:xfrm>
-                            <a:prstGeom prst="rect">
-                              <a:avLst/>
-                            </a:prstGeom>
-                            <a:noFill/>
-                            <a:ln>
-                              <a:noFill/>
-                            </a:ln>
-                          </p:spPr>
-                        </p:pic>
-                      </p:grpSp>
-                      <p:pic>
-                        <p:nvPicPr>
-                          <p:cNvPr id="122" name="Shape 122"/>
-                          <p:cNvPicPr preferRelativeResize="0"/>
-                          <p:nvPr/>
-                        </p:nvPicPr>
-                        <p:blipFill>
-                          <a:blip r:embed="rId4">
-                            <a:alphaModFix/>
-                          </a:blip>
-                          <a:stretch>
-                            <a:fillRect/>
-                          </a:stretch>
-                        </p:blipFill>
-                        <p:spPr>
-                          <a:xfrm>
-                            <a:off x="5752725" y="3513925"/>
-                            <a:ext cx="2877950" cy="1233399"/>
-                          </a:xfrm>
-                          <a:prstGeom prst="rect">
-                            <a:avLst/>
-                          </a:prstGeom>
-                          <a:noFill/>
-                          <a:ln>
-                            <a:noFill/>
-                          </a:ln>
-                        </p:spPr>
-                      </p:pic>
-                      <p:pic>
-                        <p:nvPicPr>
-                          <p:cNvPr id="123" name="Shape 123"/>
-                          <p:cNvPicPr preferRelativeResize="0"/>
-                          <p:nvPr/>
-                        </p:nvPicPr>
-                        <p:blipFill>
-                          <a:blip r:embed="rId4">
-                            <a:alphaModFix/>
-                          </a:blip>
-                          <a:stretch>
-                            <a:fillRect/>
-                          </a:stretch>
-                        </p:blipFill>
-                        <p:spPr>
-                          <a:xfrm>
-                            <a:off x="5794950" y="183700"/>
-                            <a:ext cx="2877950" cy="1233399"/>
-                          </a:xfrm>
-                          <a:prstGeom prst="rect">
-                            <a:avLst/>
-                          </a:prstGeom>
-                          <a:noFill/>
-                          <a:ln>
-                            <a:noFill/>
-                          </a:ln>
-                        </p:spPr>
-                      </p:pic>
-                      <p:pic>
-                        <p:nvPicPr>
-                          <p:cNvPr id="124" name="Shape 124"/>
-                          <p:cNvPicPr preferRelativeResize="0"/>
-                          <p:nvPr/>
-                        </p:nvPicPr>
-                        <p:blipFill>
-                          <a:blip r:embed="rId4">
-                            <a:alphaModFix/>
-                          </a:blip>
-                          <a:stretch>
-                            <a:fillRect/>
-                          </a:stretch>
-                        </p:blipFill>
-                        <p:spPr>
-                          <a:xfrm>
-                            <a:off x="2362999" y="1022450"/>
-                            <a:ext cx="2877950" cy="1233399"/>
-                          </a:xfrm>
-                          <a:prstGeom prst="rect">
-                            <a:avLst/>
-                          </a:prstGeom>
-                          <a:noFill/>
-                          <a:ln>
-                            <a:noFill/>
-                          </a:ln>
-                        </p:spPr>
-                      </p:pic>
-                      <p:pic>
-                        <p:nvPicPr>
-                          <p:cNvPr id="125" name="Shape 125"/>
-                          <p:cNvPicPr preferRelativeResize="0"/>
-                          <p:nvPr/>
-                        </p:nvPicPr>
-                        <p:blipFill>
-                          <a:blip r:embed="rId4">
-                            <a:alphaModFix/>
-                          </a:blip>
-                          <a:stretch>
-                            <a:fillRect/>
-                          </a:stretch>
-                        </p:blipFill>
-                        <p:spPr>
-                          <a:xfrm>
-                            <a:off x="3439050" y="3308550"/>
-                            <a:ext cx="2877950" cy="1233399"/>
-                          </a:xfrm>
-                          <a:prstGeom prst="rect">
-                            <a:avLst/>
-                          </a:prstGeom>
-                          <a:noFill/>
-                          <a:ln>
-                            <a:noFill/>
-                          </a:ln>
-                        </p:spPr>
-                      </p:pic>
-                      <p:pic>
-                        <p:nvPicPr>
-                          <p:cNvPr id="126" name="Shape 126"/>
-                          <p:cNvPicPr preferRelativeResize="0"/>
-                          <p:nvPr/>
-                        </p:nvPicPr>
-                        <p:blipFill>
-                          <a:blip r:embed="rId4">
-                            <a:alphaModFix/>
-                          </a:blip>
-                          <a:stretch>
-                            <a:fillRect/>
-                          </a:stretch>
-                        </p:blipFill>
-                        <p:spPr>
-                          <a:xfrm>
-                            <a:off x="498550" y="2075150"/>
-                            <a:ext cx="2877950" cy="1233399"/>
-                          </a:xfrm>
-                          <a:prstGeom prst="rect">
-                            <a:avLst/>
-                          </a:prstGeom>
-                          <a:noFill/>
-                          <a:ln>
-                            <a:noFill/>
-                          </a:ln>
-                        </p:spPr>
-                      </p:pic>
-                    </p:grpSp>
-                    <p:pic>
-                      <p:nvPicPr>
-                        <p:cNvPr id="127" name="Shape 127"/>
-                        <p:cNvPicPr preferRelativeResize="0"/>
-                        <p:nvPr/>
-                      </p:nvPicPr>
-                      <p:blipFill>
-                        <a:blip r:embed="rId4">
-                          <a:alphaModFix/>
-                        </a:blip>
-                        <a:stretch>
-                          <a:fillRect/>
-                        </a:stretch>
-                      </p:blipFill>
-                      <p:spPr>
-                        <a:xfrm>
-                          <a:off x="3030224" y="2301600"/>
-                          <a:ext cx="2877950" cy="1233399"/>
-                        </a:xfrm>
-                        <a:prstGeom prst="rect">
-                          <a:avLst/>
-                        </a:prstGeom>
-                        <a:noFill/>
-                        <a:ln>
-                          <a:noFill/>
-                        </a:ln>
-                      </p:spPr>
-                    </p:pic>
-                    <p:pic>
-                      <p:nvPicPr>
-                        <p:cNvPr id="128" name="Shape 128"/>
-                        <p:cNvPicPr preferRelativeResize="0"/>
-                        <p:nvPr/>
-                      </p:nvPicPr>
-                      <p:blipFill>
-                        <a:blip r:embed="rId4">
-                          <a:alphaModFix/>
-                        </a:blip>
-                        <a:stretch>
-                          <a:fillRect/>
-                        </a:stretch>
-                      </p:blipFill>
-                      <p:spPr>
-                        <a:xfrm>
-                          <a:off x="4310700" y="971100"/>
-                          <a:ext cx="2877950" cy="1233399"/>
-                        </a:xfrm>
-                        <a:prstGeom prst="rect">
-                          <a:avLst/>
-                        </a:prstGeom>
-                        <a:noFill/>
-                        <a:ln>
-                          <a:noFill/>
-                        </a:ln>
-                      </p:spPr>
-                    </p:pic>
-                  </p:grpSp>
-                  <p:pic>
-                    <p:nvPicPr>
-                      <p:cNvPr id="129" name="Shape 129"/>
-                      <p:cNvPicPr preferRelativeResize="0"/>
-                      <p:nvPr/>
-                    </p:nvPicPr>
-                    <p:blipFill>
-                      <a:blip r:embed="rId4">
-                        <a:alphaModFix/>
-                      </a:blip>
-                      <a:stretch>
-                        <a:fillRect/>
-                      </a:stretch>
-                    </p:blipFill>
-                    <p:spPr>
-                      <a:xfrm>
-                        <a:off x="5419025" y="2768999"/>
-                        <a:ext cx="2877950" cy="1233399"/>
-                      </a:xfrm>
-                      <a:prstGeom prst="rect">
-                        <a:avLst/>
-                      </a:prstGeom>
-                      <a:noFill/>
-                      <a:ln>
-                        <a:noFill/>
-                      </a:ln>
-                    </p:spPr>
-                  </p:pic>
-                  <p:pic>
-                    <p:nvPicPr>
-                      <p:cNvPr id="130" name="Shape 130"/>
-                      <p:cNvPicPr preferRelativeResize="0"/>
-                      <p:nvPr/>
-                    </p:nvPicPr>
-                    <p:blipFill>
-                      <a:blip r:embed="rId4">
-                        <a:alphaModFix/>
-                      </a:blip>
-                      <a:stretch>
-                        <a:fillRect/>
-                      </a:stretch>
-                    </p:blipFill>
-                    <p:spPr>
-                      <a:xfrm>
-                        <a:off x="718350" y="3606150"/>
-                        <a:ext cx="2877950" cy="1233399"/>
-                      </a:xfrm>
-                      <a:prstGeom prst="rect">
-                        <a:avLst/>
-                      </a:prstGeom>
-                      <a:noFill/>
-                      <a:ln>
-                        <a:noFill/>
-                      </a:ln>
-                    </p:spPr>
-                  </p:pic>
-                  <p:pic>
-                    <p:nvPicPr>
-                      <p:cNvPr id="131" name="Shape 131"/>
-                      <p:cNvPicPr preferRelativeResize="0"/>
-                      <p:nvPr/>
-                    </p:nvPicPr>
-                    <p:blipFill>
-                      <a:blip r:embed="rId4">
-                        <a:alphaModFix/>
-                      </a:blip>
-                      <a:stretch>
-                        <a:fillRect/>
-                      </a:stretch>
-                    </p:blipFill>
-                    <p:spPr>
-                      <a:xfrm>
-                        <a:off x="316325" y="1209075"/>
-                        <a:ext cx="2877950" cy="1233399"/>
-                      </a:xfrm>
-                      <a:prstGeom prst="rect">
-                        <a:avLst/>
-                      </a:prstGeom>
-                      <a:noFill/>
-                      <a:ln>
-                        <a:noFill/>
-                      </a:ln>
-                    </p:spPr>
-                  </p:pic>
-                </p:grpSp>
-                <p:pic>
-                  <p:nvPicPr>
-                    <p:cNvPr id="132" name="Shape 132"/>
-                    <p:cNvPicPr preferRelativeResize="0"/>
-                    <p:nvPr/>
-                  </p:nvPicPr>
-                  <p:blipFill>
-                    <a:blip r:embed="rId4">
-                      <a:alphaModFix/>
-                    </a:blip>
-                    <a:stretch>
-                      <a:fillRect/>
-                    </a:stretch>
-                  </p:blipFill>
-                  <p:spPr>
-                    <a:xfrm>
-                      <a:off x="2836549" y="1606425"/>
-                      <a:ext cx="2877950" cy="1233399"/>
-                    </a:xfrm>
-                    <a:prstGeom prst="rect">
-                      <a:avLst/>
-                    </a:prstGeom>
-                    <a:noFill/>
-                    <a:ln>
-                      <a:noFill/>
-                    </a:ln>
-                  </p:spPr>
-                </p:pic>
-                <p:pic>
-                  <p:nvPicPr>
-                    <p:cNvPr id="133" name="Shape 133"/>
-                    <p:cNvPicPr preferRelativeResize="0"/>
-                    <p:nvPr/>
-                  </p:nvPicPr>
-                  <p:blipFill>
-                    <a:blip r:embed="rId4">
-                      <a:alphaModFix/>
-                    </a:blip>
-                    <a:stretch>
-                      <a:fillRect/>
-                    </a:stretch>
-                  </p:blipFill>
-                  <p:spPr>
-                    <a:xfrm>
-                      <a:off x="3175349" y="3792575"/>
-                      <a:ext cx="2877950" cy="1233399"/>
-                    </a:xfrm>
-                    <a:prstGeom prst="rect">
-                      <a:avLst/>
-                    </a:prstGeom>
-                    <a:noFill/>
-                    <a:ln>
-                      <a:noFill/>
-                    </a:ln>
-                  </p:spPr>
-                </p:pic>
-                <p:pic>
-                  <p:nvPicPr>
-                    <p:cNvPr id="134" name="Shape 134"/>
-                    <p:cNvPicPr preferRelativeResize="0"/>
-                    <p:nvPr/>
-                  </p:nvPicPr>
-                  <p:blipFill>
-                    <a:blip r:embed="rId4">
-                      <a:alphaModFix/>
-                    </a:blip>
-                    <a:stretch>
-                      <a:fillRect/>
-                    </a:stretch>
-                  </p:blipFill>
-                  <p:spPr>
-                    <a:xfrm>
-                      <a:off x="2836549" y="373025"/>
-                      <a:ext cx="2877950" cy="1233399"/>
-                    </a:xfrm>
-                    <a:prstGeom prst="rect">
-                      <a:avLst/>
-                    </a:prstGeom>
-                    <a:noFill/>
-                    <a:ln>
-                      <a:noFill/>
-                    </a:ln>
-                  </p:spPr>
-                </p:pic>
-              </p:grpSp>
-              <p:pic>
-                <p:nvPicPr>
-                  <p:cNvPr id="135" name="Shape 135"/>
-                  <p:cNvPicPr preferRelativeResize="0"/>
-                  <p:nvPr/>
-                </p:nvPicPr>
-                <p:blipFill>
-                  <a:blip r:embed="rId4">
-                    <a:alphaModFix/>
-                  </a:blip>
-                  <a:stretch>
-                    <a:fillRect/>
-                  </a:stretch>
-                </p:blipFill>
-                <p:spPr>
-                  <a:xfrm>
-                    <a:off x="5700250" y="1209075"/>
-                    <a:ext cx="2877950" cy="1233399"/>
-                  </a:xfrm>
-                  <a:prstGeom prst="rect">
-                    <a:avLst/>
-                  </a:prstGeom>
-                  <a:noFill/>
-                  <a:ln>
-                    <a:noFill/>
-                  </a:ln>
-                </p:spPr>
-              </p:pic>
-              <p:pic>
-                <p:nvPicPr>
-                  <p:cNvPr id="136" name="Shape 136"/>
-                  <p:cNvPicPr preferRelativeResize="0"/>
-                  <p:nvPr/>
-                </p:nvPicPr>
-                <p:blipFill>
-                  <a:blip r:embed="rId4">
-                    <a:alphaModFix/>
-                  </a:blip>
-                  <a:stretch>
-                    <a:fillRect/>
-                  </a:stretch>
-                </p:blipFill>
-                <p:spPr>
-                  <a:xfrm>
-                    <a:off x="5700250" y="2283525"/>
-                    <a:ext cx="2877950" cy="1233399"/>
-                  </a:xfrm>
-                  <a:prstGeom prst="rect">
-                    <a:avLst/>
-                  </a:prstGeom>
-                  <a:noFill/>
-                  <a:ln>
-                    <a:noFill/>
-                  </a:ln>
-                </p:spPr>
-              </p:pic>
-            </p:grpSp>
-            <p:pic>
-              <p:nvPicPr>
-                <p:cNvPr id="137" name="Shape 137"/>
-                <p:cNvPicPr preferRelativeResize="0"/>
-                <p:nvPr/>
-              </p:nvPicPr>
-              <p:blipFill>
-                <a:blip r:embed="rId4">
-                  <a:alphaModFix/>
-                </a:blip>
-                <a:stretch>
-                  <a:fillRect/>
-                </a:stretch>
-              </p:blipFill>
-              <p:spPr>
-                <a:xfrm>
-                  <a:off x="4209000" y="101850"/>
-                  <a:ext cx="2877950" cy="1233399"/>
-                </a:xfrm>
-                <a:prstGeom prst="rect">
-                  <a:avLst/>
-                </a:prstGeom>
-                <a:noFill/>
-                <a:ln>
-                  <a:noFill/>
-                </a:ln>
-              </p:spPr>
-            </p:pic>
-            <p:pic>
-              <p:nvPicPr>
-                <p:cNvPr id="138" name="Shape 138"/>
-                <p:cNvPicPr preferRelativeResize="0"/>
-                <p:nvPr/>
-              </p:nvPicPr>
-              <p:blipFill>
-                <a:blip r:embed="rId4">
-                  <a:alphaModFix/>
-                </a:blip>
-                <a:stretch>
-                  <a:fillRect/>
-                </a:stretch>
-              </p:blipFill>
-              <p:spPr>
-                <a:xfrm>
-                  <a:off x="2208724" y="101850"/>
-                  <a:ext cx="2877950" cy="1233399"/>
-                </a:xfrm>
-                <a:prstGeom prst="rect">
-                  <a:avLst/>
-                </a:prstGeom>
-                <a:noFill/>
-                <a:ln>
-                  <a:noFill/>
-                </a:ln>
-              </p:spPr>
-            </p:pic>
-            <p:pic>
-              <p:nvPicPr>
-                <p:cNvPr id="139" name="Shape 139"/>
-                <p:cNvPicPr preferRelativeResize="0"/>
-                <p:nvPr/>
-              </p:nvPicPr>
-              <p:blipFill>
-                <a:blip r:embed="rId4">
-                  <a:alphaModFix/>
-                </a:blip>
-                <a:stretch>
-                  <a:fillRect/>
-                </a:stretch>
-              </p:blipFill>
-              <p:spPr>
-                <a:xfrm>
-                  <a:off x="352875" y="3020349"/>
-                  <a:ext cx="2877950" cy="1233399"/>
-                </a:xfrm>
-                <a:prstGeom prst="rect">
-                  <a:avLst/>
-                </a:prstGeom>
-                <a:noFill/>
-                <a:ln>
-                  <a:noFill/>
-                </a:ln>
-              </p:spPr>
-            </p:pic>
-          </p:grpSp>
-          <p:pic>
-            <p:nvPicPr>
-              <p:cNvPr id="140" name="Shape 140"/>
-              <p:cNvPicPr preferRelativeResize="0"/>
-              <p:nvPr/>
-            </p:nvPicPr>
-            <p:blipFill>
-              <a:blip r:embed="rId4">
-                <a:alphaModFix/>
-              </a:blip>
-              <a:stretch>
-                <a:fillRect/>
-              </a:stretch>
-            </p:blipFill>
-            <p:spPr>
-              <a:xfrm>
-                <a:off x="5962300" y="1833775"/>
-                <a:ext cx="2877950" cy="1233399"/>
-              </a:xfrm>
-              <a:prstGeom prst="rect">
-                <a:avLst/>
-              </a:prstGeom>
-              <a:noFill/>
-              <a:ln>
-                <a:noFill/>
-              </a:ln>
-            </p:spPr>
-          </p:pic>
-          <p:pic>
-            <p:nvPicPr>
-              <p:cNvPr id="141" name="Shape 141"/>
-              <p:cNvPicPr preferRelativeResize="0"/>
-              <p:nvPr/>
-            </p:nvPicPr>
-            <p:blipFill>
-              <a:blip r:embed="rId4">
-                <a:alphaModFix/>
-              </a:blip>
-              <a:stretch>
-                <a:fillRect/>
-              </a:stretch>
-            </p:blipFill>
-            <p:spPr>
-              <a:xfrm>
-                <a:off x="5962300" y="2825049"/>
-                <a:ext cx="2877950" cy="1233399"/>
-              </a:xfrm>
-              <a:prstGeom prst="rect">
-                <a:avLst/>
-              </a:prstGeom>
-              <a:noFill/>
-              <a:ln>
-                <a:noFill/>
-              </a:ln>
-            </p:spPr>
-          </p:pic>
-        </p:grpSp>
-        <p:pic>
-          <p:nvPicPr>
-            <p:cNvPr id="142" name="Shape 142"/>
-            <p:cNvPicPr preferRelativeResize="0"/>
-            <p:nvPr/>
-          </p:nvPicPr>
-          <p:blipFill>
-            <a:blip r:embed="rId4">
-              <a:alphaModFix/>
-            </a:blip>
-            <a:stretch>
-              <a:fillRect/>
-            </a:stretch>
-          </p:blipFill>
-          <p:spPr>
-            <a:xfrm>
-              <a:off x="5970525" y="724200"/>
-              <a:ext cx="2877950" cy="1233399"/>
-            </a:xfrm>
-            <a:prstGeom prst="rect">
-              <a:avLst/>
-            </a:prstGeom>
-            <a:noFill/>
-            <a:ln>
-              <a:noFill/>
-            </a:ln>
-          </p:spPr>
-        </p:pic>
-      </p:grpSp>
     </p:spTree>
   </p:cSld>
   <p:clrMapOvr>
@@ -11201,74 +10379,6 @@
                       </p:childTnLst>
                     </p:cTn>
                   </p:par>
-                  <p:par>
-                    <p:cTn fill="hold">
-                      <p:stCondLst>
-                        <p:cond delay="indefinite"/>
-                      </p:stCondLst>
-                      <p:childTnLst>
-                        <p:par>
-                          <p:cTn fill="hold">
-                            <p:stCondLst>
-                              <p:cond delay="0"/>
-                            </p:stCondLst>
-                            <p:childTnLst>
-                              <p:par>
-                                <p:cTn fill="hold" nodeType="clickEffect" presetClass="entr" presetID="2" presetSubtype="8">
-                                  <p:stCondLst>
-                                    <p:cond delay="0"/>
-                                  </p:stCondLst>
-                                  <p:childTnLst>
-                                    <p:set>
-                                      <p:cBhvr>
-                                        <p:cTn dur="1" fill="hold">
-                                          <p:stCondLst>
-                                            <p:cond delay="0"/>
-                                          </p:stCondLst>
-                                        </p:cTn>
-                                        <p:tgtEl>
-                                          <p:spTgt spid="109"/>
-                                        </p:tgtEl>
-                                        <p:attrNameLst>
-                                          <p:attrName>style.visibility</p:attrName>
-                                        </p:attrNameLst>
-                                      </p:cBhvr>
-                                      <p:to>
-                                        <p:strVal val="visible"/>
-                                      </p:to>
-                                    </p:set>
-                                    <p:anim calcmode="lin" valueType="num">
-                                      <p:cBhvr additive="base">
-                                        <p:cTn dur="1000"/>
-                                        <p:tgtEl>
-                                          <p:spTgt spid="109"/>
-                                        </p:tgtEl>
-                                        <p:attrNameLst>
-                                          <p:attrName>ppt_x</p:attrName>
-                                        </p:attrNameLst>
-                                      </p:cBhvr>
-                                      <p:tavLst>
-                                        <p:tav fmla="" tm="0">
-                                          <p:val>
-                                            <p:strVal val="#ppt_x-1"/>
-                                          </p:val>
-                                        </p:tav>
-                                        <p:tav fmla="" tm="100000">
-                                          <p:val>
-                                            <p:strVal val="#ppt_x"/>
-                                          </p:val>
-                                        </p:tav>
-                                      </p:tavLst>
-                                    </p:anim>
-                                  </p:childTnLst>
-                                </p:cTn>
-                              </p:par>
-                            </p:childTnLst>
-                          </p:cTn>
-                        </p:par>
-                      </p:childTnLst>
-                    </p:cTn>
-                  </p:par>
                 </p:childTnLst>
               </p:cTn>
               <p:prevCondLst>
@@ -11299,7 +10409,7 @@
   <p:cSld>
     <p:spTree>
       <p:nvGrpSpPr>
-        <p:cNvPr id="146" name="Shape 146"/>
+        <p:cNvPr id="112" name="Shape 112"/>
         <p:cNvGrpSpPr/>
         <p:nvPr/>
       </p:nvGrpSpPr>
@@ -11313,7 +10423,7 @@
       </p:grpSpPr>
       <p:sp>
         <p:nvSpPr>
-          <p:cNvPr id="147" name="Shape 147"/>
+          <p:cNvPr id="113" name="Shape 113"/>
           <p:cNvSpPr/>
           <p:nvPr/>
         </p:nvSpPr>
@@ -11355,7 +10465,7 @@
       </p:sp>
       <p:sp>
         <p:nvSpPr>
-          <p:cNvPr id="148" name="Shape 148"/>
+          <p:cNvPr id="114" name="Shape 114"/>
           <p:cNvSpPr txBox="1"/>
           <p:nvPr>
             <p:ph type="title"/>
@@ -11396,7 +10506,7 @@
       </p:sp>
       <p:pic>
         <p:nvPicPr>
-          <p:cNvPr id="149" name="Shape 149"/>
+          <p:cNvPr id="115" name="Shape 115"/>
           <p:cNvPicPr preferRelativeResize="0"/>
           <p:nvPr/>
         </p:nvPicPr>
@@ -11424,7 +10534,7 @@
       </p:pic>
       <p:pic>
         <p:nvPicPr>
-          <p:cNvPr id="150" name="Shape 150"/>
+          <p:cNvPr id="116" name="Shape 116"/>
           <p:cNvPicPr preferRelativeResize="0"/>
           <p:nvPr/>
         </p:nvPicPr>
@@ -11452,7 +10562,7 @@
       </p:pic>
       <p:pic>
         <p:nvPicPr>
-          <p:cNvPr id="151" name="Shape 151"/>
+          <p:cNvPr id="117" name="Shape 117"/>
           <p:cNvPicPr preferRelativeResize="0"/>
           <p:nvPr/>
         </p:nvPicPr>
@@ -11480,7 +10590,7 @@
       </p:pic>
       <p:pic>
         <p:nvPicPr>
-          <p:cNvPr id="152" name="Shape 152"/>
+          <p:cNvPr id="118" name="Shape 118"/>
           <p:cNvPicPr preferRelativeResize="0"/>
           <p:nvPr/>
         </p:nvPicPr>
@@ -11507,7 +10617,7 @@
       </p:pic>
       <p:pic>
         <p:nvPicPr>
-          <p:cNvPr id="153" name="Shape 153"/>
+          <p:cNvPr id="119" name="Shape 119"/>
           <p:cNvPicPr preferRelativeResize="0"/>
           <p:nvPr/>
         </p:nvPicPr>
@@ -11534,7 +10644,7 @@
       </p:pic>
       <p:pic>
         <p:nvPicPr>
-          <p:cNvPr id="154" name="Shape 154"/>
+          <p:cNvPr id="120" name="Shape 120"/>
           <p:cNvPicPr preferRelativeResize="0"/>
           <p:nvPr/>
         </p:nvPicPr>
@@ -11602,7 +10712,7 @@
                                           </p:stCondLst>
                                         </p:cTn>
                                         <p:tgtEl>
-                                          <p:spTgt spid="148"/>
+                                          <p:spTgt spid="114"/>
                                         </p:tgtEl>
                                         <p:attrNameLst>
                                           <p:attrName>style.visibility</p:attrName>
@@ -11616,7 +10726,7 @@
                                       <p:cBhvr>
                                         <p:cTn dur="1000"/>
                                         <p:tgtEl>
-                                          <p:spTgt spid="148"/>
+                                          <p:spTgt spid="114"/>
                                         </p:tgtEl>
                                       </p:cBhvr>
                                     </p:animEffect>
@@ -11646,7 +10756,7 @@
                                           </p:stCondLst>
                                         </p:cTn>
                                         <p:tgtEl>
-                                          <p:spTgt spid="151"/>
+                                          <p:spTgt spid="117"/>
                                         </p:tgtEl>
                                         <p:attrNameLst>
                                           <p:attrName>style.visibility</p:attrName>
@@ -11660,7 +10770,7 @@
                                       <p:cBhvr>
                                         <p:cTn dur="1500"/>
                                         <p:tgtEl>
-                                          <p:spTgt spid="151"/>
+                                          <p:spTgt spid="117"/>
                                         </p:tgtEl>
                                       </p:cBhvr>
                                     </p:animEffect>
@@ -11681,7 +10791,7 @@
                                           </p:stCondLst>
                                         </p:cTn>
                                         <p:tgtEl>
-                                          <p:spTgt spid="152"/>
+                                          <p:spTgt spid="118"/>
                                         </p:tgtEl>
                                         <p:attrNameLst>
                                           <p:attrName>style.visibility</p:attrName>
@@ -11695,7 +10805,7 @@
                                       <p:cBhvr>
                                         <p:cTn dur="1000"/>
                                         <p:tgtEl>
-                                          <p:spTgt spid="152"/>
+                                          <p:spTgt spid="118"/>
                                         </p:tgtEl>
                                       </p:cBhvr>
                                     </p:animEffect>
@@ -11716,7 +10826,7 @@
                                           </p:stCondLst>
                                         </p:cTn>
                                         <p:tgtEl>
-                                          <p:spTgt spid="150"/>
+                                          <p:spTgt spid="116"/>
                                         </p:tgtEl>
                                         <p:attrNameLst>
                                           <p:attrName>style.visibility</p:attrName>
@@ -11730,7 +10840,7 @@
                                       <p:cBhvr>
                                         <p:cTn dur="1000"/>
                                         <p:tgtEl>
-                                          <p:spTgt spid="150"/>
+                                          <p:spTgt spid="116"/>
                                         </p:tgtEl>
                                       </p:cBhvr>
                                     </p:animEffect>
@@ -11751,7 +10861,7 @@
                                           </p:stCondLst>
                                         </p:cTn>
                                         <p:tgtEl>
-                                          <p:spTgt spid="153"/>
+                                          <p:spTgt spid="119"/>
                                         </p:tgtEl>
                                         <p:attrNameLst>
                                           <p:attrName>style.visibility</p:attrName>
@@ -11765,7 +10875,7 @@
                                       <p:cBhvr additive="base">
                                         <p:cTn dur="2000"/>
                                         <p:tgtEl>
-                                          <p:spTgt spid="153"/>
+                                          <p:spTgt spid="119"/>
                                         </p:tgtEl>
                                         <p:attrNameLst>
                                           <p:attrName>ppt_y</p:attrName>
@@ -11797,7 +10907,7 @@
                                       <p:cBhvr>
                                         <p:cTn dur="1000"/>
                                         <p:tgtEl>
-                                          <p:spTgt spid="152"/>
+                                          <p:spTgt spid="118"/>
                                         </p:tgtEl>
                                       </p:cBhvr>
                                     </p:animEffect>
@@ -11809,7 +10919,7 @@
                                           </p:stCondLst>
                                         </p:cTn>
                                         <p:tgtEl>
-                                          <p:spTgt spid="152"/>
+                                          <p:spTgt spid="118"/>
                                         </p:tgtEl>
                                         <p:attrNameLst>
                                           <p:attrName>style.visibility</p:attrName>
@@ -11841,7 +10951,7 @@
                                       <p:cBhvr additive="base">
                                         <p:cTn dur="2500"/>
                                         <p:tgtEl>
-                                          <p:spTgt spid="154"/>
+                                          <p:spTgt spid="120"/>
                                         </p:tgtEl>
                                         <p:attrNameLst>
                                           <p:attrName>ppt_y</p:attrName>
@@ -11868,7 +10978,7 @@
                                           </p:stCondLst>
                                         </p:cTn>
                                         <p:tgtEl>
-                                          <p:spTgt spid="154"/>
+                                          <p:spTgt spid="120"/>
                                         </p:tgtEl>
                                         <p:attrNameLst>
                                           <p:attrName>style.visibility</p:attrName>
@@ -11917,7 +11027,7 @@
   <p:cSld>
     <p:spTree>
       <p:nvGrpSpPr>
-        <p:cNvPr id="158" name="Shape 158"/>
+        <p:cNvPr id="124" name="Shape 124"/>
         <p:cNvGrpSpPr/>
         <p:nvPr/>
       </p:nvGrpSpPr>
@@ -11931,7 +11041,7 @@
       </p:grpSpPr>
       <p:sp>
         <p:nvSpPr>
-          <p:cNvPr id="159" name="Shape 159"/>
+          <p:cNvPr id="125" name="Shape 125"/>
           <p:cNvSpPr txBox="1"/>
           <p:nvPr>
             <p:ph idx="1" type="body"/>
@@ -11979,7 +11089,7 @@
       </p:sp>
       <p:sp>
         <p:nvSpPr>
-          <p:cNvPr id="160" name="Shape 160"/>
+          <p:cNvPr id="126" name="Shape 126"/>
           <p:cNvSpPr txBox="1"/>
           <p:nvPr>
             <p:ph type="title"/>
@@ -12019,7 +11129,7 @@
       </p:sp>
       <p:sp>
         <p:nvSpPr>
-          <p:cNvPr id="161" name="Shape 161"/>
+          <p:cNvPr id="127" name="Shape 127"/>
           <p:cNvSpPr txBox="1"/>
           <p:nvPr>
             <p:ph idx="2" type="body"/>
@@ -12055,7 +11165,7 @@
       </p:sp>
       <p:sp>
         <p:nvSpPr>
-          <p:cNvPr id="162" name="Shape 162"/>
+          <p:cNvPr id="128" name="Shape 128"/>
           <p:cNvSpPr txBox="1"/>
           <p:nvPr>
             <p:ph idx="1" type="body"/>
@@ -12103,7 +11213,7 @@
       </p:sp>
       <p:pic>
         <p:nvPicPr>
-          <p:cNvPr id="163" name="Shape 163"/>
+          <p:cNvPr id="129" name="Shape 129"/>
           <p:cNvPicPr preferRelativeResize="0"/>
           <p:nvPr/>
         </p:nvPicPr>
@@ -12131,7 +11241,7 @@
       </p:pic>
       <p:grpSp>
         <p:nvGrpSpPr>
-          <p:cNvPr id="164" name="Shape 164"/>
+          <p:cNvPr id="130" name="Shape 130"/>
           <p:cNvGrpSpPr/>
           <p:nvPr/>
         </p:nvGrpSpPr>
@@ -12145,7 +11255,7 @@
         </p:grpSpPr>
         <p:sp>
           <p:nvSpPr>
-            <p:cNvPr id="165" name="Shape 165"/>
+            <p:cNvPr id="131" name="Shape 131"/>
             <p:cNvSpPr/>
             <p:nvPr/>
           </p:nvSpPr>
@@ -12185,7 +11295,7 @@
         </p:sp>
         <p:pic>
           <p:nvPicPr>
-            <p:cNvPr id="166" name="Shape 166"/>
+            <p:cNvPr id="132" name="Shape 132"/>
             <p:cNvPicPr preferRelativeResize="0"/>
             <p:nvPr/>
           </p:nvPicPr>
@@ -12214,7 +11324,7 @@
       </p:grpSp>
       <p:grpSp>
         <p:nvGrpSpPr>
-          <p:cNvPr id="167" name="Shape 167"/>
+          <p:cNvPr id="133" name="Shape 133"/>
           <p:cNvGrpSpPr/>
           <p:nvPr/>
         </p:nvGrpSpPr>
@@ -12228,7 +11338,7 @@
         </p:grpSpPr>
         <p:sp>
           <p:nvSpPr>
-            <p:cNvPr id="168" name="Shape 168"/>
+            <p:cNvPr id="134" name="Shape 134"/>
             <p:cNvSpPr/>
             <p:nvPr/>
           </p:nvSpPr>
@@ -12268,7 +11378,7 @@
         </p:sp>
         <p:pic>
           <p:nvPicPr>
-            <p:cNvPr id="169" name="Shape 169"/>
+            <p:cNvPr id="135" name="Shape 135"/>
             <p:cNvPicPr preferRelativeResize="0"/>
             <p:nvPr/>
           </p:nvPicPr>
@@ -12297,7 +11407,7 @@
       </p:grpSp>
       <p:grpSp>
         <p:nvGrpSpPr>
-          <p:cNvPr id="170" name="Shape 170"/>
+          <p:cNvPr id="136" name="Shape 136"/>
           <p:cNvGrpSpPr/>
           <p:nvPr/>
         </p:nvGrpSpPr>
@@ -12311,7 +11421,7 @@
         </p:grpSpPr>
         <p:sp>
           <p:nvSpPr>
-            <p:cNvPr id="171" name="Shape 171"/>
+            <p:cNvPr id="137" name="Shape 137"/>
             <p:cNvSpPr/>
             <p:nvPr/>
           </p:nvSpPr>
@@ -12351,7 +11461,7 @@
         </p:sp>
         <p:pic>
           <p:nvPicPr>
-            <p:cNvPr id="172" name="Shape 172"/>
+            <p:cNvPr id="138" name="Shape 138"/>
             <p:cNvPicPr preferRelativeResize="0"/>
             <p:nvPr/>
           </p:nvPicPr>
@@ -12417,7 +11527,7 @@
                                           </p:stCondLst>
                                         </p:cTn>
                                         <p:tgtEl>
-                                          <p:spTgt spid="159"/>
+                                          <p:spTgt spid="125"/>
                                         </p:tgtEl>
                                         <p:attrNameLst>
                                           <p:attrName>style.visibility</p:attrName>
@@ -12431,7 +11541,7 @@
                                       <p:cBhvr>
                                         <p:cTn dur="1000"/>
                                         <p:tgtEl>
-                                          <p:spTgt spid="159"/>
+                                          <p:spTgt spid="125"/>
                                         </p:tgtEl>
                                       </p:cBhvr>
                                     </p:animEffect>
@@ -12470,7 +11580,7 @@
                                           </p:stCondLst>
                                         </p:cTn>
                                         <p:tgtEl>
-                                          <p:spTgt spid="164"/>
+                                          <p:spTgt spid="130"/>
                                         </p:tgtEl>
                                         <p:attrNameLst>
                                           <p:attrName>style.visibility</p:attrName>
@@ -12484,7 +11594,7 @@
                                       <p:cBhvr>
                                         <p:cTn dur="1000"/>
                                         <p:tgtEl>
-                                          <p:spTgt spid="164"/>
+                                          <p:spTgt spid="130"/>
                                         </p:tgtEl>
                                       </p:cBhvr>
                                     </p:animEffect>
@@ -12523,7 +11633,7 @@
                                           </p:stCondLst>
                                         </p:cTn>
                                         <p:tgtEl>
-                                          <p:spTgt spid="162"/>
+                                          <p:spTgt spid="128"/>
                                         </p:tgtEl>
                                         <p:attrNameLst>
                                           <p:attrName>style.visibility</p:attrName>
@@ -12537,7 +11647,7 @@
                                       <p:cBhvr>
                                         <p:cTn dur="1000"/>
                                         <p:tgtEl>
-                                          <p:spTgt spid="162"/>
+                                          <p:spTgt spid="128"/>
                                         </p:tgtEl>
                                       </p:cBhvr>
                                     </p:animEffect>
@@ -12576,7 +11686,7 @@
                                           </p:stCondLst>
                                         </p:cTn>
                                         <p:tgtEl>
-                                          <p:spTgt spid="167"/>
+                                          <p:spTgt spid="133"/>
                                         </p:tgtEl>
                                         <p:attrNameLst>
                                           <p:attrName>style.visibility</p:attrName>
@@ -12590,7 +11700,7 @@
                                       <p:cBhvr>
                                         <p:cTn dur="1000"/>
                                         <p:tgtEl>
-                                          <p:spTgt spid="167"/>
+                                          <p:spTgt spid="133"/>
                                         </p:tgtEl>
                                       </p:cBhvr>
                                     </p:animEffect>
@@ -12629,7 +11739,7 @@
                                           </p:stCondLst>
                                         </p:cTn>
                                         <p:tgtEl>
-                                          <p:spTgt spid="161"/>
+                                          <p:spTgt spid="127"/>
                                         </p:tgtEl>
                                         <p:attrNameLst>
                                           <p:attrName>style.visibility</p:attrName>
@@ -12643,7 +11753,7 @@
                                       <p:cBhvr>
                                         <p:cTn dur="1000"/>
                                         <p:tgtEl>
-                                          <p:spTgt spid="161"/>
+                                          <p:spTgt spid="127"/>
                                         </p:tgtEl>
                                       </p:cBhvr>
                                     </p:animEffect>
@@ -12682,7 +11792,7 @@
                                           </p:stCondLst>
                                         </p:cTn>
                                         <p:tgtEl>
-                                          <p:spTgt spid="170"/>
+                                          <p:spTgt spid="136"/>
                                         </p:tgtEl>
                                         <p:attrNameLst>
                                           <p:attrName>style.visibility</p:attrName>
@@ -12696,7 +11806,7 @@
                                       <p:cBhvr>
                                         <p:cTn dur="1000"/>
                                         <p:tgtEl>
-                                          <p:spTgt spid="170"/>
+                                          <p:spTgt spid="136"/>
                                         </p:tgtEl>
                                       </p:cBhvr>
                                     </p:animEffect>
@@ -12739,7 +11849,7 @@
   <p:cSld>
     <p:spTree>
       <p:nvGrpSpPr>
-        <p:cNvPr id="176" name="Shape 176"/>
+        <p:cNvPr id="142" name="Shape 142"/>
         <p:cNvGrpSpPr/>
         <p:nvPr/>
       </p:nvGrpSpPr>
@@ -12753,7 +11863,7 @@
       </p:grpSpPr>
       <p:pic>
         <p:nvPicPr>
-          <p:cNvPr id="177" name="Shape 177"/>
+          <p:cNvPr id="143" name="Shape 143"/>
           <p:cNvPicPr preferRelativeResize="0"/>
           <p:nvPr/>
         </p:nvPicPr>
@@ -12781,7 +11891,7 @@
       </p:pic>
       <p:sp>
         <p:nvSpPr>
-          <p:cNvPr id="178" name="Shape 178"/>
+          <p:cNvPr id="144" name="Shape 144"/>
           <p:cNvSpPr txBox="1"/>
           <p:nvPr>
             <p:ph type="title"/>
@@ -12817,7 +11927,7 @@
       </p:sp>
       <p:grpSp>
         <p:nvGrpSpPr>
-          <p:cNvPr id="179" name="Shape 179"/>
+          <p:cNvPr id="145" name="Shape 145"/>
           <p:cNvGrpSpPr/>
           <p:nvPr/>
         </p:nvGrpSpPr>
@@ -12831,7 +11941,7 @@
         </p:grpSpPr>
         <p:sp>
           <p:nvSpPr>
-            <p:cNvPr id="180" name="Shape 180"/>
+            <p:cNvPr id="146" name="Shape 146"/>
             <p:cNvSpPr/>
             <p:nvPr/>
           </p:nvSpPr>
@@ -12875,7 +11985,7 @@
         </p:sp>
         <p:sp>
           <p:nvSpPr>
-            <p:cNvPr id="181" name="Shape 181"/>
+            <p:cNvPr id="147" name="Shape 147"/>
             <p:cNvSpPr txBox="1"/>
             <p:nvPr/>
           </p:nvSpPr>
@@ -12926,7 +12036,7 @@
       </p:grpSp>
       <p:grpSp>
         <p:nvGrpSpPr>
-          <p:cNvPr id="182" name="Shape 182"/>
+          <p:cNvPr id="148" name="Shape 148"/>
           <p:cNvGrpSpPr/>
           <p:nvPr/>
         </p:nvGrpSpPr>
@@ -12940,7 +12050,7 @@
         </p:grpSpPr>
         <p:sp>
           <p:nvSpPr>
-            <p:cNvPr id="183" name="Shape 183"/>
+            <p:cNvPr id="149" name="Shape 149"/>
             <p:cNvSpPr/>
             <p:nvPr/>
           </p:nvSpPr>
@@ -12984,7 +12094,7 @@
         </p:sp>
         <p:sp>
           <p:nvSpPr>
-            <p:cNvPr id="184" name="Shape 184"/>
+            <p:cNvPr id="150" name="Shape 150"/>
             <p:cNvSpPr txBox="1"/>
             <p:nvPr/>
           </p:nvSpPr>
@@ -13023,7 +12133,7 @@
       </p:grpSp>
       <p:grpSp>
         <p:nvGrpSpPr>
-          <p:cNvPr id="185" name="Shape 185"/>
+          <p:cNvPr id="151" name="Shape 151"/>
           <p:cNvGrpSpPr/>
           <p:nvPr/>
         </p:nvGrpSpPr>
@@ -13037,7 +12147,7 @@
         </p:grpSpPr>
         <p:sp>
           <p:nvSpPr>
-            <p:cNvPr id="186" name="Shape 186"/>
+            <p:cNvPr id="152" name="Shape 152"/>
             <p:cNvSpPr/>
             <p:nvPr/>
           </p:nvSpPr>
@@ -13081,7 +12191,7 @@
         </p:sp>
         <p:sp>
           <p:nvSpPr>
-            <p:cNvPr id="187" name="Shape 187"/>
+            <p:cNvPr id="153" name="Shape 153"/>
             <p:cNvSpPr txBox="1"/>
             <p:nvPr/>
           </p:nvSpPr>
@@ -13120,7 +12230,7 @@
       </p:grpSp>
       <p:grpSp>
         <p:nvGrpSpPr>
-          <p:cNvPr id="188" name="Shape 188"/>
+          <p:cNvPr id="154" name="Shape 154"/>
           <p:cNvGrpSpPr/>
           <p:nvPr/>
         </p:nvGrpSpPr>
@@ -13134,7 +12244,7 @@
         </p:grpSpPr>
         <p:sp>
           <p:nvSpPr>
-            <p:cNvPr id="189" name="Shape 189"/>
+            <p:cNvPr id="155" name="Shape 155"/>
             <p:cNvSpPr/>
             <p:nvPr/>
           </p:nvSpPr>
@@ -13178,7 +12288,7 @@
         </p:sp>
         <p:sp>
           <p:nvSpPr>
-            <p:cNvPr id="190" name="Shape 190"/>
+            <p:cNvPr id="156" name="Shape 156"/>
             <p:cNvSpPr txBox="1"/>
             <p:nvPr/>
           </p:nvSpPr>
@@ -13278,7 +12388,7 @@
                                           </p:stCondLst>
                                         </p:cTn>
                                         <p:tgtEl>
-                                          <p:spTgt spid="177"/>
+                                          <p:spTgt spid="143"/>
                                         </p:tgtEl>
                                         <p:attrNameLst>
                                           <p:attrName>style.visibility</p:attrName>
@@ -13292,7 +12402,7 @@
                                       <p:cBhvr>
                                         <p:cTn dur="1000"/>
                                         <p:tgtEl>
-                                          <p:spTgt spid="177"/>
+                                          <p:spTgt spid="143"/>
                                         </p:tgtEl>
                                       </p:cBhvr>
                                     </p:animEffect>
@@ -13331,7 +12441,7 @@
                                           </p:stCondLst>
                                         </p:cTn>
                                         <p:tgtEl>
-                                          <p:spTgt spid="179"/>
+                                          <p:spTgt spid="145"/>
                                         </p:tgtEl>
                                         <p:attrNameLst>
                                           <p:attrName>style.visibility</p:attrName>
@@ -13345,7 +12455,7 @@
                                       <p:cBhvr>
                                         <p:cTn dur="1000"/>
                                         <p:tgtEl>
-                                          <p:spTgt spid="179"/>
+                                          <p:spTgt spid="145"/>
                                         </p:tgtEl>
                                       </p:cBhvr>
                                     </p:animEffect>
@@ -13384,7 +12494,7 @@
                                           </p:stCondLst>
                                         </p:cTn>
                                         <p:tgtEl>
-                                          <p:spTgt spid="185"/>
+                                          <p:spTgt spid="151"/>
                                         </p:tgtEl>
                                         <p:attrNameLst>
                                           <p:attrName>style.visibility</p:attrName>
@@ -13398,7 +12508,7 @@
                                       <p:cBhvr>
                                         <p:cTn dur="1000"/>
                                         <p:tgtEl>
-                                          <p:spTgt spid="185"/>
+                                          <p:spTgt spid="151"/>
                                         </p:tgtEl>
                                       </p:cBhvr>
                                     </p:animEffect>
@@ -13437,7 +12547,7 @@
                                           </p:stCondLst>
                                         </p:cTn>
                                         <p:tgtEl>
-                                          <p:spTgt spid="182"/>
+                                          <p:spTgt spid="148"/>
                                         </p:tgtEl>
                                         <p:attrNameLst>
                                           <p:attrName>style.visibility</p:attrName>
@@ -13451,7 +12561,7 @@
                                       <p:cBhvr>
                                         <p:cTn dur="1000"/>
                                         <p:tgtEl>
-                                          <p:spTgt spid="182"/>
+                                          <p:spTgt spid="148"/>
                                         </p:tgtEl>
                                       </p:cBhvr>
                                     </p:animEffect>
@@ -13490,7 +12600,7 @@
                                           </p:stCondLst>
                                         </p:cTn>
                                         <p:tgtEl>
-                                          <p:spTgt spid="188"/>
+                                          <p:spTgt spid="154"/>
                                         </p:tgtEl>
                                         <p:attrNameLst>
                                           <p:attrName>style.visibility</p:attrName>
@@ -13504,7 +12614,7 @@
                                       <p:cBhvr>
                                         <p:cTn dur="1000"/>
                                         <p:tgtEl>
-                                          <p:spTgt spid="188"/>
+                                          <p:spTgt spid="154"/>
                                         </p:tgtEl>
                                       </p:cBhvr>
                                     </p:animEffect>
